--- a/Outputs/Figure 1 TDT curve with predictions.pptx
+++ b/Outputs/Figure 1 TDT curve with predictions.pptx
@@ -304,7 +304,7 @@
           <a:p>
             <a:fld id="{EA292604-F11B-4C4D-9FD7-9191CB216B3A}" type="datetimeFigureOut">
               <a:rPr lang="nl-NL" smtClean="0"/>
-              <a:t>29-11-2020</a:t>
+              <a:t>1-4-2023</a:t>
             </a:fld>
             <a:endParaRPr lang="nl-NL"/>
           </a:p>
@@ -474,7 +474,7 @@
           <a:p>
             <a:fld id="{EA292604-F11B-4C4D-9FD7-9191CB216B3A}" type="datetimeFigureOut">
               <a:rPr lang="nl-NL" smtClean="0"/>
-              <a:t>29-11-2020</a:t>
+              <a:t>1-4-2023</a:t>
             </a:fld>
             <a:endParaRPr lang="nl-NL"/>
           </a:p>
@@ -654,7 +654,7 @@
           <a:p>
             <a:fld id="{EA292604-F11B-4C4D-9FD7-9191CB216B3A}" type="datetimeFigureOut">
               <a:rPr lang="nl-NL" smtClean="0"/>
-              <a:t>29-11-2020</a:t>
+              <a:t>1-4-2023</a:t>
             </a:fld>
             <a:endParaRPr lang="nl-NL"/>
           </a:p>
@@ -824,7 +824,7 @@
           <a:p>
             <a:fld id="{EA292604-F11B-4C4D-9FD7-9191CB216B3A}" type="datetimeFigureOut">
               <a:rPr lang="nl-NL" smtClean="0"/>
-              <a:t>29-11-2020</a:t>
+              <a:t>1-4-2023</a:t>
             </a:fld>
             <a:endParaRPr lang="nl-NL"/>
           </a:p>
@@ -1070,7 +1070,7 @@
           <a:p>
             <a:fld id="{EA292604-F11B-4C4D-9FD7-9191CB216B3A}" type="datetimeFigureOut">
               <a:rPr lang="nl-NL" smtClean="0"/>
-              <a:t>29-11-2020</a:t>
+              <a:t>1-4-2023</a:t>
             </a:fld>
             <a:endParaRPr lang="nl-NL"/>
           </a:p>
@@ -1358,7 +1358,7 @@
           <a:p>
             <a:fld id="{EA292604-F11B-4C4D-9FD7-9191CB216B3A}" type="datetimeFigureOut">
               <a:rPr lang="nl-NL" smtClean="0"/>
-              <a:t>29-11-2020</a:t>
+              <a:t>1-4-2023</a:t>
             </a:fld>
             <a:endParaRPr lang="nl-NL"/>
           </a:p>
@@ -1780,7 +1780,7 @@
           <a:p>
             <a:fld id="{EA292604-F11B-4C4D-9FD7-9191CB216B3A}" type="datetimeFigureOut">
               <a:rPr lang="nl-NL" smtClean="0"/>
-              <a:t>29-11-2020</a:t>
+              <a:t>1-4-2023</a:t>
             </a:fld>
             <a:endParaRPr lang="nl-NL"/>
           </a:p>
@@ -1898,7 +1898,7 @@
           <a:p>
             <a:fld id="{EA292604-F11B-4C4D-9FD7-9191CB216B3A}" type="datetimeFigureOut">
               <a:rPr lang="nl-NL" smtClean="0"/>
-              <a:t>29-11-2020</a:t>
+              <a:t>1-4-2023</a:t>
             </a:fld>
             <a:endParaRPr lang="nl-NL"/>
           </a:p>
@@ -1993,7 +1993,7 @@
           <a:p>
             <a:fld id="{EA292604-F11B-4C4D-9FD7-9191CB216B3A}" type="datetimeFigureOut">
               <a:rPr lang="nl-NL" smtClean="0"/>
-              <a:t>29-11-2020</a:t>
+              <a:t>1-4-2023</a:t>
             </a:fld>
             <a:endParaRPr lang="nl-NL"/>
           </a:p>
@@ -2270,7 +2270,7 @@
           <a:p>
             <a:fld id="{EA292604-F11B-4C4D-9FD7-9191CB216B3A}" type="datetimeFigureOut">
               <a:rPr lang="nl-NL" smtClean="0"/>
-              <a:t>29-11-2020</a:t>
+              <a:t>1-4-2023</a:t>
             </a:fld>
             <a:endParaRPr lang="nl-NL"/>
           </a:p>
@@ -2523,7 +2523,7 @@
           <a:p>
             <a:fld id="{EA292604-F11B-4C4D-9FD7-9191CB216B3A}" type="datetimeFigureOut">
               <a:rPr lang="nl-NL" smtClean="0"/>
-              <a:t>29-11-2020</a:t>
+              <a:t>1-4-2023</a:t>
             </a:fld>
             <a:endParaRPr lang="nl-NL"/>
           </a:p>
@@ -2736,7 +2736,7 @@
           <a:p>
             <a:fld id="{EA292604-F11B-4C4D-9FD7-9191CB216B3A}" type="datetimeFigureOut">
               <a:rPr lang="nl-NL" smtClean="0"/>
-              <a:t>29-11-2020</a:t>
+              <a:t>1-4-2023</a:t>
             </a:fld>
             <a:endParaRPr lang="nl-NL"/>
           </a:p>
@@ -3111,929 +3111,1063 @@
           <a:chExt cx="0" cy="0"/>
         </a:xfrm>
       </p:grpSpPr>
-      <p:grpSp>
-        <p:nvGrpSpPr>
-          <p:cNvPr id="30" name="Group 29">
+      <p:sp>
+        <p:nvSpPr>
+          <p:cNvPr id="6" name="Rectangle 5">
             <a:extLst>
               <a:ext uri="{FF2B5EF4-FFF2-40B4-BE49-F238E27FC236}">
-                <a16:creationId xmlns:a16="http://schemas.microsoft.com/office/drawing/2014/main" id="{ED6F6925-40BF-4163-BE1B-7EFD33924FFD}"/>
+                <a16:creationId xmlns:a16="http://schemas.microsoft.com/office/drawing/2014/main" id="{C9BC957C-A943-C670-7E17-9851E66791B2}"/>
               </a:ext>
             </a:extLst>
           </p:cNvPr>
-          <p:cNvGrpSpPr/>
+          <p:cNvSpPr/>
           <p:nvPr/>
-        </p:nvGrpSpPr>
-        <p:grpSpPr>
+        </p:nvSpPr>
+        <p:spPr>
           <a:xfrm>
-            <a:off x="457202" y="227310"/>
-            <a:ext cx="6536854" cy="6402090"/>
-            <a:chOff x="457202" y="227310"/>
-            <a:chExt cx="6536854" cy="6402090"/>
+            <a:off x="1094084" y="215401"/>
+            <a:ext cx="5862850" cy="5880599"/>
           </a:xfrm>
-        </p:grpSpPr>
-        <p:grpSp>
-          <p:nvGrpSpPr>
-            <p:cNvPr id="62" name="Group 61">
-              <a:extLst>
-                <a:ext uri="{FF2B5EF4-FFF2-40B4-BE49-F238E27FC236}">
-                  <a16:creationId xmlns:a16="http://schemas.microsoft.com/office/drawing/2014/main" id="{95778E03-ECBC-4675-B09F-E490859E8583}"/>
-                </a:ext>
-              </a:extLst>
-            </p:cNvPr>
-            <p:cNvGrpSpPr/>
-            <p:nvPr/>
-          </p:nvGrpSpPr>
-          <p:grpSpPr>
-            <a:xfrm>
-              <a:off x="457202" y="227310"/>
-              <a:ext cx="6536854" cy="6402090"/>
-              <a:chOff x="457202" y="227310"/>
-              <a:chExt cx="6536854" cy="6402090"/>
-            </a:xfrm>
-          </p:grpSpPr>
-          <p:grpSp>
-            <p:nvGrpSpPr>
-              <p:cNvPr id="56" name="Group 55">
-                <a:extLst>
-                  <a:ext uri="{FF2B5EF4-FFF2-40B4-BE49-F238E27FC236}">
-                    <a16:creationId xmlns:a16="http://schemas.microsoft.com/office/drawing/2014/main" id="{0DF24D93-46F0-4AB0-AC06-4C1C23D9A192}"/>
-                  </a:ext>
-                </a:extLst>
-              </p:cNvPr>
-              <p:cNvGrpSpPr/>
-              <p:nvPr/>
-            </p:nvGrpSpPr>
-            <p:grpSpPr>
-              <a:xfrm>
-                <a:off x="457202" y="227310"/>
-                <a:ext cx="6536854" cy="6402090"/>
-                <a:chOff x="457202" y="227310"/>
-                <a:chExt cx="6536854" cy="6402090"/>
-              </a:xfrm>
-            </p:grpSpPr>
-            <p:sp>
-              <p:nvSpPr>
-                <p:cNvPr id="39" name="Rectangle 38">
-                  <a:extLst>
-                    <a:ext uri="{FF2B5EF4-FFF2-40B4-BE49-F238E27FC236}">
-                      <a16:creationId xmlns:a16="http://schemas.microsoft.com/office/drawing/2014/main" id="{7790B707-76CF-4F18-A5CC-489D3776BCB4}"/>
-                    </a:ext>
-                  </a:extLst>
-                </p:cNvPr>
-                <p:cNvSpPr/>
-                <p:nvPr/>
-              </p:nvSpPr>
-              <p:spPr>
-                <a:xfrm>
-                  <a:off x="1076569" y="227310"/>
-                  <a:ext cx="5917487" cy="5934074"/>
-                </a:xfrm>
-                <a:custGeom>
-                  <a:avLst/>
-                  <a:gdLst>
-                    <a:gd name="connsiteX0" fmla="*/ 0 w 6012737"/>
-                    <a:gd name="connsiteY0" fmla="*/ 0 h 5934074"/>
-                    <a:gd name="connsiteX1" fmla="*/ 6012737 w 6012737"/>
-                    <a:gd name="connsiteY1" fmla="*/ 0 h 5934074"/>
-                    <a:gd name="connsiteX2" fmla="*/ 6012737 w 6012737"/>
-                    <a:gd name="connsiteY2" fmla="*/ 5934074 h 5934074"/>
-                    <a:gd name="connsiteX3" fmla="*/ 0 w 6012737"/>
-                    <a:gd name="connsiteY3" fmla="*/ 5934074 h 5934074"/>
-                    <a:gd name="connsiteX4" fmla="*/ 0 w 6012737"/>
-                    <a:gd name="connsiteY4" fmla="*/ 0 h 5934074"/>
-                    <a:gd name="connsiteX0" fmla="*/ 0 w 6012737"/>
-                    <a:gd name="connsiteY0" fmla="*/ 0 h 5934074"/>
-                    <a:gd name="connsiteX1" fmla="*/ 6012737 w 6012737"/>
-                    <a:gd name="connsiteY1" fmla="*/ 0 h 5934074"/>
-                    <a:gd name="connsiteX2" fmla="*/ 6012737 w 6012737"/>
-                    <a:gd name="connsiteY2" fmla="*/ 5934074 h 5934074"/>
-                    <a:gd name="connsiteX3" fmla="*/ 2486025 w 6012737"/>
-                    <a:gd name="connsiteY3" fmla="*/ 3324224 h 5934074"/>
-                    <a:gd name="connsiteX4" fmla="*/ 0 w 6012737"/>
-                    <a:gd name="connsiteY4" fmla="*/ 0 h 5934074"/>
-                    <a:gd name="connsiteX0" fmla="*/ 0 w 6012737"/>
-                    <a:gd name="connsiteY0" fmla="*/ 0 h 5934074"/>
-                    <a:gd name="connsiteX1" fmla="*/ 6012737 w 6012737"/>
-                    <a:gd name="connsiteY1" fmla="*/ 0 h 5934074"/>
-                    <a:gd name="connsiteX2" fmla="*/ 6012737 w 6012737"/>
-                    <a:gd name="connsiteY2" fmla="*/ 5934074 h 5934074"/>
-                    <a:gd name="connsiteX3" fmla="*/ 2933700 w 6012737"/>
-                    <a:gd name="connsiteY3" fmla="*/ 3448049 h 5934074"/>
-                    <a:gd name="connsiteX4" fmla="*/ 0 w 6012737"/>
-                    <a:gd name="connsiteY4" fmla="*/ 0 h 5934074"/>
-                    <a:gd name="connsiteX0" fmla="*/ 0 w 6012737"/>
-                    <a:gd name="connsiteY0" fmla="*/ 0 h 5934074"/>
-                    <a:gd name="connsiteX1" fmla="*/ 6012737 w 6012737"/>
-                    <a:gd name="connsiteY1" fmla="*/ 0 h 5934074"/>
-                    <a:gd name="connsiteX2" fmla="*/ 6012737 w 6012737"/>
-                    <a:gd name="connsiteY2" fmla="*/ 5934074 h 5934074"/>
-                    <a:gd name="connsiteX3" fmla="*/ 3048000 w 6012737"/>
-                    <a:gd name="connsiteY3" fmla="*/ 3752849 h 5934074"/>
-                    <a:gd name="connsiteX4" fmla="*/ 0 w 6012737"/>
-                    <a:gd name="connsiteY4" fmla="*/ 0 h 5934074"/>
-                    <a:gd name="connsiteX0" fmla="*/ 0 w 6012737"/>
-                    <a:gd name="connsiteY0" fmla="*/ 0 h 5934074"/>
-                    <a:gd name="connsiteX1" fmla="*/ 6012737 w 6012737"/>
-                    <a:gd name="connsiteY1" fmla="*/ 0 h 5934074"/>
-                    <a:gd name="connsiteX2" fmla="*/ 6012737 w 6012737"/>
-                    <a:gd name="connsiteY2" fmla="*/ 5934074 h 5934074"/>
-                    <a:gd name="connsiteX3" fmla="*/ 3048000 w 6012737"/>
-                    <a:gd name="connsiteY3" fmla="*/ 3752849 h 5934074"/>
-                    <a:gd name="connsiteX4" fmla="*/ 0 w 6012737"/>
-                    <a:gd name="connsiteY4" fmla="*/ 0 h 5934074"/>
-                    <a:gd name="connsiteX0" fmla="*/ 0 w 5561887"/>
-                    <a:gd name="connsiteY0" fmla="*/ 0 h 5934074"/>
-                    <a:gd name="connsiteX1" fmla="*/ 5561887 w 5561887"/>
-                    <a:gd name="connsiteY1" fmla="*/ 0 h 5934074"/>
-                    <a:gd name="connsiteX2" fmla="*/ 5561887 w 5561887"/>
-                    <a:gd name="connsiteY2" fmla="*/ 5934074 h 5934074"/>
-                    <a:gd name="connsiteX3" fmla="*/ 2597150 w 5561887"/>
-                    <a:gd name="connsiteY3" fmla="*/ 3752849 h 5934074"/>
-                    <a:gd name="connsiteX4" fmla="*/ 0 w 5561887"/>
-                    <a:gd name="connsiteY4" fmla="*/ 0 h 5934074"/>
-                    <a:gd name="connsiteX0" fmla="*/ 0 w 5917487"/>
-                    <a:gd name="connsiteY0" fmla="*/ 0 h 5934074"/>
-                    <a:gd name="connsiteX1" fmla="*/ 5917487 w 5917487"/>
-                    <a:gd name="connsiteY1" fmla="*/ 0 h 5934074"/>
-                    <a:gd name="connsiteX2" fmla="*/ 5917487 w 5917487"/>
-                    <a:gd name="connsiteY2" fmla="*/ 5934074 h 5934074"/>
-                    <a:gd name="connsiteX3" fmla="*/ 2952750 w 5917487"/>
-                    <a:gd name="connsiteY3" fmla="*/ 3752849 h 5934074"/>
-                    <a:gd name="connsiteX4" fmla="*/ 0 w 5917487"/>
-                    <a:gd name="connsiteY4" fmla="*/ 0 h 5934074"/>
-                    <a:gd name="connsiteX0" fmla="*/ 0 w 5917487"/>
-                    <a:gd name="connsiteY0" fmla="*/ 0 h 5934074"/>
-                    <a:gd name="connsiteX1" fmla="*/ 5917487 w 5917487"/>
-                    <a:gd name="connsiteY1" fmla="*/ 0 h 5934074"/>
-                    <a:gd name="connsiteX2" fmla="*/ 5917487 w 5917487"/>
-                    <a:gd name="connsiteY2" fmla="*/ 5934074 h 5934074"/>
-                    <a:gd name="connsiteX3" fmla="*/ 2724150 w 5917487"/>
-                    <a:gd name="connsiteY3" fmla="*/ 3473449 h 5934074"/>
-                    <a:gd name="connsiteX4" fmla="*/ 0 w 5917487"/>
-                    <a:gd name="connsiteY4" fmla="*/ 0 h 5934074"/>
-                  </a:gdLst>
-                  <a:ahLst/>
-                  <a:cxnLst>
-                    <a:cxn ang="0">
-                      <a:pos x="connsiteX0" y="connsiteY0"/>
-                    </a:cxn>
-                    <a:cxn ang="0">
-                      <a:pos x="connsiteX1" y="connsiteY1"/>
-                    </a:cxn>
-                    <a:cxn ang="0">
-                      <a:pos x="connsiteX2" y="connsiteY2"/>
-                    </a:cxn>
-                    <a:cxn ang="0">
-                      <a:pos x="connsiteX3" y="connsiteY3"/>
-                    </a:cxn>
-                    <a:cxn ang="0">
-                      <a:pos x="connsiteX4" y="connsiteY4"/>
-                    </a:cxn>
-                  </a:cxnLst>
-                  <a:rect l="l" t="t" r="r" b="b"/>
-                  <a:pathLst>
-                    <a:path w="5917487" h="5934074">
-                      <a:moveTo>
-                        <a:pt x="0" y="0"/>
-                      </a:moveTo>
-                      <a:lnTo>
-                        <a:pt x="5917487" y="0"/>
-                      </a:lnTo>
-                      <a:lnTo>
-                        <a:pt x="5917487" y="5934074"/>
-                      </a:lnTo>
-                      <a:lnTo>
-                        <a:pt x="2724150" y="3473449"/>
-                      </a:lnTo>
-                      <a:lnTo>
-                        <a:pt x="0" y="0"/>
-                      </a:lnTo>
-                      <a:close/>
-                    </a:path>
-                  </a:pathLst>
-                </a:custGeom>
-                <a:solidFill>
-                  <a:schemeClr val="bg1">
-                    <a:lumMod val="85000"/>
-                  </a:schemeClr>
-                </a:solidFill>
-                <a:ln>
-                  <a:noFill/>
-                </a:ln>
-              </p:spPr>
-              <p:style>
-                <a:lnRef idx="1">
-                  <a:schemeClr val="dk1"/>
-                </a:lnRef>
-                <a:fillRef idx="2">
-                  <a:schemeClr val="dk1"/>
-                </a:fillRef>
-                <a:effectRef idx="1">
-                  <a:schemeClr val="dk1"/>
-                </a:effectRef>
-                <a:fontRef idx="minor">
-                  <a:schemeClr val="dk1"/>
-                </a:fontRef>
-              </p:style>
-              <p:txBody>
-                <a:bodyPr rtlCol="0" anchor="ctr"/>
-                <a:lstStyle/>
-                <a:p>
-                  <a:pPr algn="ctr"/>
-                  <a:endParaRPr lang="es-ES" dirty="0"/>
-                </a:p>
-              </p:txBody>
-            </p:sp>
-            <p:cxnSp>
-              <p:nvCxnSpPr>
-                <p:cNvPr id="36" name="Straight Connector 35"/>
-                <p:cNvCxnSpPr/>
-                <p:nvPr/>
-              </p:nvCxnSpPr>
-              <p:spPr>
-                <a:xfrm>
-                  <a:off x="981319" y="227310"/>
-                  <a:ext cx="18561" cy="5943600"/>
-                </a:xfrm>
-                <a:prstGeom prst="line">
-                  <a:avLst/>
-                </a:prstGeom>
-                <a:ln w="19050"/>
-              </p:spPr>
-              <p:style>
-                <a:lnRef idx="1">
-                  <a:schemeClr val="dk1"/>
-                </a:lnRef>
-                <a:fillRef idx="0">
-                  <a:schemeClr val="dk1"/>
-                </a:fillRef>
-                <a:effectRef idx="0">
-                  <a:schemeClr val="dk1"/>
-                </a:effectRef>
-                <a:fontRef idx="minor">
-                  <a:schemeClr val="tx1"/>
-                </a:fontRef>
-              </p:style>
-            </p:cxnSp>
-            <p:cxnSp>
-              <p:nvCxnSpPr>
-                <p:cNvPr id="42" name="Straight Connector 41"/>
-                <p:cNvCxnSpPr/>
-                <p:nvPr/>
-              </p:nvCxnSpPr>
-              <p:spPr>
-                <a:xfrm flipH="1">
-                  <a:off x="990600" y="6174085"/>
-                  <a:ext cx="6003456" cy="0"/>
-                </a:xfrm>
-                <a:prstGeom prst="line">
-                  <a:avLst/>
-                </a:prstGeom>
-                <a:ln w="19050"/>
-              </p:spPr>
-              <p:style>
-                <a:lnRef idx="1">
-                  <a:schemeClr val="dk1"/>
-                </a:lnRef>
-                <a:fillRef idx="0">
-                  <a:schemeClr val="dk1"/>
-                </a:fillRef>
-                <a:effectRef idx="0">
-                  <a:schemeClr val="dk1"/>
-                </a:effectRef>
-                <a:fontRef idx="minor">
-                  <a:schemeClr val="tx1"/>
-                </a:fontRef>
-              </p:style>
-            </p:cxnSp>
-            <p:sp>
-              <p:nvSpPr>
-                <p:cNvPr id="108" name="TextBox 107"/>
-                <p:cNvSpPr txBox="1"/>
-                <p:nvPr/>
-              </p:nvSpPr>
-              <p:spPr>
-                <a:xfrm rot="16200000">
-                  <a:off x="-425315" y="2969568"/>
-                  <a:ext cx="2226700" cy="461665"/>
-                </a:xfrm>
-                <a:prstGeom prst="rect">
-                  <a:avLst/>
-                </a:prstGeom>
-                <a:noFill/>
-              </p:spPr>
-              <p:txBody>
-                <a:bodyPr wrap="none" rtlCol="0">
-                  <a:spAutoFit/>
-                </a:bodyPr>
-                <a:lstStyle/>
-                <a:p>
-                  <a:r>
-                    <a:rPr lang="en-US" sz="2400" dirty="0">
-                      <a:latin typeface="Arial" panose="020B0604020202020204" pitchFamily="34" charset="0"/>
-                      <a:ea typeface="Amiri" panose="00000500000000000000" pitchFamily="2" charset="-78"/>
-                      <a:cs typeface="Arial" panose="020B0604020202020204" pitchFamily="34" charset="0"/>
-                    </a:rPr>
-                    <a:t>Time (minutes)</a:t>
-                  </a:r>
-                </a:p>
-              </p:txBody>
-            </p:sp>
-            <p:sp>
-              <p:nvSpPr>
-                <p:cNvPr id="116" name="TextBox 115"/>
-                <p:cNvSpPr txBox="1"/>
-                <p:nvPr/>
-              </p:nvSpPr>
-              <p:spPr>
-                <a:xfrm>
-                  <a:off x="2731502" y="6167735"/>
-                  <a:ext cx="2550250" cy="461665"/>
-                </a:xfrm>
-                <a:prstGeom prst="rect">
-                  <a:avLst/>
-                </a:prstGeom>
-                <a:noFill/>
-              </p:spPr>
-              <p:txBody>
-                <a:bodyPr wrap="none" rtlCol="0">
-                  <a:spAutoFit/>
-                </a:bodyPr>
-                <a:lstStyle/>
-                <a:p>
-                  <a:r>
-                    <a:rPr lang="en-US" sz="2400" dirty="0">
-                      <a:latin typeface="Arial" panose="020B0604020202020204" pitchFamily="34" charset="0"/>
-                      <a:cs typeface="Arial" panose="020B0604020202020204" pitchFamily="34" charset="0"/>
-                    </a:rPr>
-                    <a:t>Temperature (°C)</a:t>
-                  </a:r>
-                </a:p>
-              </p:txBody>
-            </p:sp>
-            <p:cxnSp>
-              <p:nvCxnSpPr>
-                <p:cNvPr id="67" name="Straight Connector 66">
-                  <a:extLst>
-                    <a:ext uri="{FF2B5EF4-FFF2-40B4-BE49-F238E27FC236}">
-                      <a16:creationId xmlns:a16="http://schemas.microsoft.com/office/drawing/2014/main" id="{AE0E5F09-77E1-4805-B59F-673C9B61E487}"/>
-                    </a:ext>
-                  </a:extLst>
-                </p:cNvPr>
-                <p:cNvCxnSpPr>
-                  <a:cxnSpLocks/>
-                  <a:stCxn id="39" idx="0"/>
-                </p:cNvCxnSpPr>
-                <p:nvPr/>
-              </p:nvCxnSpPr>
-              <p:spPr>
-                <a:xfrm>
-                  <a:off x="1076569" y="227310"/>
-                  <a:ext cx="4638431" cy="5934074"/>
-                </a:xfrm>
-                <a:prstGeom prst="line">
-                  <a:avLst/>
-                </a:prstGeom>
-                <a:ln w="38100" cap="rnd"/>
-              </p:spPr>
-              <p:style>
-                <a:lnRef idx="1">
-                  <a:schemeClr val="dk1"/>
-                </a:lnRef>
-                <a:fillRef idx="0">
-                  <a:schemeClr val="dk1"/>
-                </a:fillRef>
-                <a:effectRef idx="0">
-                  <a:schemeClr val="dk1"/>
-                </a:effectRef>
-                <a:fontRef idx="minor">
-                  <a:schemeClr val="tx1"/>
-                </a:fontRef>
-              </p:style>
-            </p:cxnSp>
-            <p:cxnSp>
-              <p:nvCxnSpPr>
-                <p:cNvPr id="71" name="Straight Connector 70">
-                  <a:extLst>
-                    <a:ext uri="{FF2B5EF4-FFF2-40B4-BE49-F238E27FC236}">
-                      <a16:creationId xmlns:a16="http://schemas.microsoft.com/office/drawing/2014/main" id="{B6B80FB7-0E68-4B24-BC92-A3C189030B05}"/>
-                    </a:ext>
-                  </a:extLst>
-                </p:cNvPr>
-                <p:cNvCxnSpPr>
-                  <a:cxnSpLocks/>
-                  <a:endCxn id="39" idx="2"/>
-                </p:cNvCxnSpPr>
-                <p:nvPr/>
-              </p:nvCxnSpPr>
-              <p:spPr>
-                <a:xfrm>
-                  <a:off x="1094084" y="1600200"/>
-                  <a:ext cx="5899972" cy="4561184"/>
-                </a:xfrm>
-                <a:prstGeom prst="line">
-                  <a:avLst/>
-                </a:prstGeom>
-                <a:ln w="38100" cap="rnd">
-                  <a:prstDash val="lgDash"/>
-                </a:ln>
-              </p:spPr>
-              <p:style>
-                <a:lnRef idx="1">
-                  <a:schemeClr val="dk1"/>
-                </a:lnRef>
-                <a:fillRef idx="0">
-                  <a:schemeClr val="dk1"/>
-                </a:fillRef>
-                <a:effectRef idx="0">
-                  <a:schemeClr val="dk1"/>
-                </a:effectRef>
-                <a:fontRef idx="minor">
-                  <a:schemeClr val="tx1"/>
-                </a:fontRef>
-              </p:style>
-            </p:cxnSp>
-            <p:sp>
-              <p:nvSpPr>
-                <p:cNvPr id="51" name="TextBox 50">
-                  <a:extLst>
-                    <a:ext uri="{FF2B5EF4-FFF2-40B4-BE49-F238E27FC236}">
-                      <a16:creationId xmlns:a16="http://schemas.microsoft.com/office/drawing/2014/main" id="{7297F19D-9306-4884-B044-23576B620508}"/>
-                    </a:ext>
-                  </a:extLst>
-                </p:cNvPr>
-                <p:cNvSpPr txBox="1"/>
-                <p:nvPr/>
-              </p:nvSpPr>
-              <p:spPr>
-                <a:xfrm>
-                  <a:off x="4240021" y="1571850"/>
-                  <a:ext cx="1590064" cy="523220"/>
-                </a:xfrm>
-                <a:prstGeom prst="rect">
-                  <a:avLst/>
-                </a:prstGeom>
-                <a:noFill/>
-              </p:spPr>
-              <p:txBody>
-                <a:bodyPr wrap="square" rtlCol="0">
-                  <a:spAutoFit/>
-                </a:bodyPr>
-                <a:lstStyle/>
-                <a:p>
-                  <a:r>
-                    <a:rPr lang="es-CL" sz="2800" b="1" dirty="0" err="1">
-                      <a:latin typeface="Arial" panose="020B0604020202020204" pitchFamily="34" charset="0"/>
-                      <a:cs typeface="Arial" panose="020B0604020202020204" pitchFamily="34" charset="0"/>
-                    </a:rPr>
-                    <a:t>Death</a:t>
-                  </a:r>
-                  <a:endParaRPr lang="es-ES" sz="2800" b="1" dirty="0">
-                    <a:latin typeface="Arial" panose="020B0604020202020204" pitchFamily="34" charset="0"/>
-                    <a:cs typeface="Arial" panose="020B0604020202020204" pitchFamily="34" charset="0"/>
-                  </a:endParaRPr>
-                </a:p>
-              </p:txBody>
-            </p:sp>
-            <p:sp>
-              <p:nvSpPr>
-                <p:cNvPr id="96" name="TextBox 95">
-                  <a:extLst>
-                    <a:ext uri="{FF2B5EF4-FFF2-40B4-BE49-F238E27FC236}">
-                      <a16:creationId xmlns:a16="http://schemas.microsoft.com/office/drawing/2014/main" id="{D10BA7F5-544A-48DA-A55F-F6485DDEAFE4}"/>
-                    </a:ext>
-                  </a:extLst>
-                </p:cNvPr>
-                <p:cNvSpPr txBox="1"/>
-                <p:nvPr/>
-              </p:nvSpPr>
-              <p:spPr>
-                <a:xfrm>
-                  <a:off x="1421429" y="4164903"/>
-                  <a:ext cx="2144092" cy="523220"/>
-                </a:xfrm>
-                <a:prstGeom prst="rect">
-                  <a:avLst/>
-                </a:prstGeom>
-                <a:noFill/>
-              </p:spPr>
-              <p:txBody>
-                <a:bodyPr wrap="square" rtlCol="0">
-                  <a:spAutoFit/>
-                </a:bodyPr>
-                <a:lstStyle/>
-                <a:p>
-                  <a:r>
-                    <a:rPr lang="es-CL" sz="2800" b="1" dirty="0" err="1">
-                      <a:latin typeface="Arial" panose="020B0604020202020204" pitchFamily="34" charset="0"/>
-                      <a:cs typeface="Arial" panose="020B0604020202020204" pitchFamily="34" charset="0"/>
-                    </a:rPr>
-                    <a:t>Tolerance</a:t>
-                  </a:r>
-                  <a:endParaRPr lang="es-ES" sz="2800" b="1" dirty="0">
-                    <a:latin typeface="Arial" panose="020B0604020202020204" pitchFamily="34" charset="0"/>
-                    <a:cs typeface="Arial" panose="020B0604020202020204" pitchFamily="34" charset="0"/>
-                  </a:endParaRPr>
-                </a:p>
-              </p:txBody>
-            </p:sp>
-            <p:sp>
-              <p:nvSpPr>
-                <p:cNvPr id="52" name="TextBox 51">
-                  <a:extLst>
-                    <a:ext uri="{FF2B5EF4-FFF2-40B4-BE49-F238E27FC236}">
-                      <a16:creationId xmlns:a16="http://schemas.microsoft.com/office/drawing/2014/main" id="{4BE8AB17-672C-4C43-8A1D-617BEBC1471A}"/>
-                    </a:ext>
-                  </a:extLst>
-                </p:cNvPr>
-                <p:cNvSpPr txBox="1"/>
-                <p:nvPr/>
-              </p:nvSpPr>
-              <p:spPr>
-                <a:xfrm>
-                  <a:off x="1820984" y="918983"/>
-                  <a:ext cx="1600200" cy="369332"/>
-                </a:xfrm>
-                <a:prstGeom prst="rect">
-                  <a:avLst/>
-                </a:prstGeom>
-                <a:noFill/>
-              </p:spPr>
-              <p:txBody>
-                <a:bodyPr wrap="square" rtlCol="0">
-                  <a:spAutoFit/>
-                </a:bodyPr>
-                <a:lstStyle/>
-                <a:p>
-                  <a:r>
-                    <a:rPr lang="es-CL" i="1" dirty="0">
-                      <a:latin typeface="Arial" panose="020B0604020202020204" pitchFamily="34" charset="0"/>
-                      <a:cs typeface="Arial" panose="020B0604020202020204" pitchFamily="34" charset="0"/>
-                    </a:rPr>
-                    <a:t>Z</a:t>
-                  </a:r>
-                  <a:r>
-                    <a:rPr lang="es-CL" baseline="-25000" dirty="0">
-                      <a:latin typeface="Arial" panose="020B0604020202020204" pitchFamily="34" charset="0"/>
-                      <a:cs typeface="Arial" panose="020B0604020202020204" pitchFamily="34" charset="0"/>
-                    </a:rPr>
-                    <a:t>1</a:t>
-                  </a:r>
-                  <a:r>
-                    <a:rPr lang="es-CL" dirty="0">
-                      <a:latin typeface="Arial" panose="020B0604020202020204" pitchFamily="34" charset="0"/>
-                      <a:cs typeface="Arial" panose="020B0604020202020204" pitchFamily="34" charset="0"/>
-                    </a:rPr>
-                    <a:t> = -1/</a:t>
-                  </a:r>
-                  <a:r>
-                    <a:rPr lang="el-GR" dirty="0">
-                      <a:latin typeface="Arial" panose="020B0604020202020204" pitchFamily="34" charset="0"/>
-                      <a:cs typeface="Arial" panose="020B0604020202020204" pitchFamily="34" charset="0"/>
-                    </a:rPr>
-                    <a:t>β</a:t>
-                  </a:r>
-                  <a:r>
-                    <a:rPr lang="es-CL" baseline="-25000" dirty="0">
-                      <a:latin typeface="Arial" panose="020B0604020202020204" pitchFamily="34" charset="0"/>
-                      <a:cs typeface="Arial" panose="020B0604020202020204" pitchFamily="34" charset="0"/>
-                    </a:rPr>
-                    <a:t>1</a:t>
-                  </a:r>
-                  <a:endParaRPr lang="es-ES" baseline="-25000" dirty="0">
-                    <a:latin typeface="Arial" panose="020B0604020202020204" pitchFamily="34" charset="0"/>
-                    <a:cs typeface="Arial" panose="020B0604020202020204" pitchFamily="34" charset="0"/>
-                  </a:endParaRPr>
-                </a:p>
-              </p:txBody>
-            </p:sp>
-            <p:sp>
-              <p:nvSpPr>
-                <p:cNvPr id="99" name="TextBox 98">
-                  <a:extLst>
-                    <a:ext uri="{FF2B5EF4-FFF2-40B4-BE49-F238E27FC236}">
-                      <a16:creationId xmlns:a16="http://schemas.microsoft.com/office/drawing/2014/main" id="{1E3370AF-A93A-4E2F-B82E-238ED709CD31}"/>
-                    </a:ext>
-                  </a:extLst>
-                </p:cNvPr>
-                <p:cNvSpPr txBox="1"/>
-                <p:nvPr/>
-              </p:nvSpPr>
-              <p:spPr>
-                <a:xfrm>
-                  <a:off x="1098166" y="2544235"/>
-                  <a:ext cx="1200146" cy="369332"/>
-                </a:xfrm>
-                <a:prstGeom prst="rect">
-                  <a:avLst/>
-                </a:prstGeom>
-                <a:noFill/>
-              </p:spPr>
-              <p:txBody>
-                <a:bodyPr wrap="square" rtlCol="0">
-                  <a:spAutoFit/>
-                </a:bodyPr>
-                <a:lstStyle/>
-                <a:p>
-                  <a:r>
-                    <a:rPr lang="es-CL" i="1" dirty="0">
-                      <a:latin typeface="Arial" panose="020B0604020202020204" pitchFamily="34" charset="0"/>
-                      <a:cs typeface="Arial" panose="020B0604020202020204" pitchFamily="34" charset="0"/>
-                    </a:rPr>
-                    <a:t>Z</a:t>
-                  </a:r>
-                  <a:r>
-                    <a:rPr lang="es-CL" baseline="-25000" dirty="0">
-                      <a:latin typeface="Arial" panose="020B0604020202020204" pitchFamily="34" charset="0"/>
-                      <a:cs typeface="Arial" panose="020B0604020202020204" pitchFamily="34" charset="0"/>
-                    </a:rPr>
-                    <a:t>2</a:t>
-                  </a:r>
-                  <a:r>
-                    <a:rPr lang="es-CL" dirty="0">
-                      <a:latin typeface="Arial" panose="020B0604020202020204" pitchFamily="34" charset="0"/>
-                      <a:cs typeface="Arial" panose="020B0604020202020204" pitchFamily="34" charset="0"/>
-                    </a:rPr>
-                    <a:t> = -1/</a:t>
-                  </a:r>
-                  <a:r>
-                    <a:rPr lang="el-GR" dirty="0">
-                      <a:latin typeface="Arial" panose="020B0604020202020204" pitchFamily="34" charset="0"/>
-                      <a:cs typeface="Arial" panose="020B0604020202020204" pitchFamily="34" charset="0"/>
-                    </a:rPr>
-                    <a:t>β</a:t>
-                  </a:r>
-                  <a:r>
-                    <a:rPr lang="es-CL" baseline="-25000" dirty="0">
-                      <a:latin typeface="Arial" panose="020B0604020202020204" pitchFamily="34" charset="0"/>
-                      <a:cs typeface="Arial" panose="020B0604020202020204" pitchFamily="34" charset="0"/>
-                    </a:rPr>
-                    <a:t>2</a:t>
-                  </a:r>
-                  <a:endParaRPr lang="es-ES" baseline="-25000" dirty="0">
-                    <a:latin typeface="Arial" panose="020B0604020202020204" pitchFamily="34" charset="0"/>
-                    <a:cs typeface="Arial" panose="020B0604020202020204" pitchFamily="34" charset="0"/>
-                  </a:endParaRPr>
-                </a:p>
-              </p:txBody>
-            </p:sp>
-          </p:grpSp>
-          <p:sp>
-            <p:nvSpPr>
-              <p:cNvPr id="61" name="TextBox 60">
-                <a:extLst>
-                  <a:ext uri="{FF2B5EF4-FFF2-40B4-BE49-F238E27FC236}">
-                    <a16:creationId xmlns:a16="http://schemas.microsoft.com/office/drawing/2014/main" id="{056D4232-89C0-4C18-B688-F34BFBF146FB}"/>
-                  </a:ext>
-                </a:extLst>
-              </p:cNvPr>
-              <p:cNvSpPr txBox="1"/>
-              <p:nvPr/>
-            </p:nvSpPr>
-            <p:spPr>
-              <a:xfrm>
-                <a:off x="4506721" y="5802831"/>
-                <a:ext cx="1006479" cy="369332"/>
-              </a:xfrm>
-              <a:prstGeom prst="rect">
-                <a:avLst/>
-              </a:prstGeom>
-              <a:noFill/>
-            </p:spPr>
-            <p:txBody>
-              <a:bodyPr wrap="square" rtlCol="0">
-                <a:spAutoFit/>
-              </a:bodyPr>
-              <a:lstStyle/>
-              <a:p>
-                <a:r>
-                  <a:rPr lang="es-CL" dirty="0">
-                    <a:latin typeface="Arial" panose="020B0604020202020204" pitchFamily="34" charset="0"/>
-                    <a:cs typeface="Arial" panose="020B0604020202020204" pitchFamily="34" charset="0"/>
-                  </a:rPr>
-                  <a:t>CTmax</a:t>
-                </a:r>
-                <a:r>
-                  <a:rPr lang="es-CL" baseline="-25000" dirty="0">
-                    <a:latin typeface="Arial" panose="020B0604020202020204" pitchFamily="34" charset="0"/>
-                    <a:cs typeface="Arial" panose="020B0604020202020204" pitchFamily="34" charset="0"/>
-                  </a:rPr>
-                  <a:t>1</a:t>
-                </a:r>
-                <a:endParaRPr lang="es-ES" baseline="-25000" dirty="0">
-                  <a:latin typeface="Arial" panose="020B0604020202020204" pitchFamily="34" charset="0"/>
-                  <a:cs typeface="Arial" panose="020B0604020202020204" pitchFamily="34" charset="0"/>
-                </a:endParaRPr>
-              </a:p>
-            </p:txBody>
-          </p:sp>
-          <p:sp>
-            <p:nvSpPr>
-              <p:cNvPr id="101" name="TextBox 100">
-                <a:extLst>
-                  <a:ext uri="{FF2B5EF4-FFF2-40B4-BE49-F238E27FC236}">
-                    <a16:creationId xmlns:a16="http://schemas.microsoft.com/office/drawing/2014/main" id="{8B09FDB4-E288-4136-B57D-12F474713B6B}"/>
-                  </a:ext>
-                </a:extLst>
-              </p:cNvPr>
-              <p:cNvSpPr txBox="1"/>
-              <p:nvPr/>
-            </p:nvSpPr>
-            <p:spPr>
-              <a:xfrm>
-                <a:off x="5791200" y="5802831"/>
-                <a:ext cx="1006479" cy="369332"/>
-              </a:xfrm>
-              <a:prstGeom prst="rect">
-                <a:avLst/>
-              </a:prstGeom>
-              <a:noFill/>
-            </p:spPr>
-            <p:txBody>
-              <a:bodyPr wrap="square" rtlCol="0">
-                <a:spAutoFit/>
-              </a:bodyPr>
-              <a:lstStyle/>
-              <a:p>
-                <a:r>
-                  <a:rPr lang="es-CL" dirty="0">
-                    <a:latin typeface="Arial" panose="020B0604020202020204" pitchFamily="34" charset="0"/>
-                    <a:cs typeface="Arial" panose="020B0604020202020204" pitchFamily="34" charset="0"/>
-                  </a:rPr>
-                  <a:t>CTmax</a:t>
-                </a:r>
-                <a:r>
-                  <a:rPr lang="es-CL" baseline="-25000" dirty="0">
-                    <a:latin typeface="Arial" panose="020B0604020202020204" pitchFamily="34" charset="0"/>
-                    <a:cs typeface="Arial" panose="020B0604020202020204" pitchFamily="34" charset="0"/>
-                  </a:rPr>
-                  <a:t>2</a:t>
-                </a:r>
-                <a:endParaRPr lang="es-ES" baseline="-25000" dirty="0">
-                  <a:latin typeface="Arial" panose="020B0604020202020204" pitchFamily="34" charset="0"/>
-                  <a:cs typeface="Arial" panose="020B0604020202020204" pitchFamily="34" charset="0"/>
-                </a:endParaRPr>
-              </a:p>
-            </p:txBody>
-          </p:sp>
-        </p:grpSp>
-        <p:cxnSp>
-          <p:nvCxnSpPr>
-            <p:cNvPr id="23" name="Straight Connector 22">
-              <a:extLst>
-                <a:ext uri="{FF2B5EF4-FFF2-40B4-BE49-F238E27FC236}">
-                  <a16:creationId xmlns:a16="http://schemas.microsoft.com/office/drawing/2014/main" id="{11855728-02EC-4812-99DB-2BCA235DE496}"/>
-                </a:ext>
-              </a:extLst>
-            </p:cNvPr>
-            <p:cNvCxnSpPr>
-              <a:cxnSpLocks/>
-            </p:cNvCxnSpPr>
-            <p:nvPr/>
-          </p:nvCxnSpPr>
-          <p:spPr>
-            <a:xfrm>
-              <a:off x="1578676" y="914400"/>
-              <a:ext cx="0" cy="747831"/>
-            </a:xfrm>
-            <a:prstGeom prst="line">
-              <a:avLst/>
-            </a:prstGeom>
-            <a:ln w="38100" cap="rnd"/>
-          </p:spPr>
-          <p:style>
-            <a:lnRef idx="1">
-              <a:schemeClr val="dk1"/>
-            </a:lnRef>
-            <a:fillRef idx="0">
-              <a:schemeClr val="dk1"/>
-            </a:fillRef>
-            <a:effectRef idx="0">
-              <a:schemeClr val="dk1"/>
-            </a:effectRef>
-            <a:fontRef idx="minor">
-              <a:schemeClr val="tx1"/>
-            </a:fontRef>
-          </p:style>
-        </p:cxnSp>
-        <p:cxnSp>
-          <p:nvCxnSpPr>
-            <p:cNvPr id="31" name="Straight Connector 30">
-              <a:extLst>
-                <a:ext uri="{FF2B5EF4-FFF2-40B4-BE49-F238E27FC236}">
-                  <a16:creationId xmlns:a16="http://schemas.microsoft.com/office/drawing/2014/main" id="{F7DD47BA-C573-4A35-8D24-0A0AECBC8153}"/>
-                </a:ext>
-              </a:extLst>
-            </p:cNvPr>
-            <p:cNvCxnSpPr>
-              <a:cxnSpLocks/>
-            </p:cNvCxnSpPr>
-            <p:nvPr/>
-          </p:nvCxnSpPr>
-          <p:spPr>
-            <a:xfrm flipV="1">
-              <a:off x="1581851" y="1648392"/>
-              <a:ext cx="597313" cy="13839"/>
-            </a:xfrm>
-            <a:prstGeom prst="line">
-              <a:avLst/>
-            </a:prstGeom>
-            <a:ln w="38100" cap="rnd"/>
-          </p:spPr>
-          <p:style>
-            <a:lnRef idx="1">
-              <a:schemeClr val="dk1"/>
-            </a:lnRef>
-            <a:fillRef idx="0">
-              <a:schemeClr val="dk1"/>
-            </a:fillRef>
-            <a:effectRef idx="0">
-              <a:schemeClr val="dk1"/>
-            </a:effectRef>
-            <a:fontRef idx="minor">
-              <a:schemeClr val="tx1"/>
-            </a:fontRef>
-          </p:style>
-        </p:cxnSp>
-        <p:cxnSp>
-          <p:nvCxnSpPr>
-            <p:cNvPr id="41" name="Straight Connector 40">
-              <a:extLst>
-                <a:ext uri="{FF2B5EF4-FFF2-40B4-BE49-F238E27FC236}">
-                  <a16:creationId xmlns:a16="http://schemas.microsoft.com/office/drawing/2014/main" id="{6D29BC29-0541-4AEB-A9F3-E00B56A7C2CD}"/>
-                </a:ext>
-              </a:extLst>
-            </p:cNvPr>
-            <p:cNvCxnSpPr>
-              <a:cxnSpLocks/>
-            </p:cNvCxnSpPr>
-            <p:nvPr/>
-          </p:nvCxnSpPr>
-          <p:spPr>
-            <a:xfrm>
-              <a:off x="1578676" y="1988449"/>
-              <a:ext cx="0" cy="482603"/>
-            </a:xfrm>
-            <a:prstGeom prst="line">
-              <a:avLst/>
-            </a:prstGeom>
-            <a:ln w="38100" cap="rnd"/>
-          </p:spPr>
-          <p:style>
-            <a:lnRef idx="1">
-              <a:schemeClr val="dk1"/>
-            </a:lnRef>
-            <a:fillRef idx="0">
-              <a:schemeClr val="dk1"/>
-            </a:fillRef>
-            <a:effectRef idx="0">
-              <a:schemeClr val="dk1"/>
-            </a:effectRef>
-            <a:fontRef idx="minor">
-              <a:schemeClr val="tx1"/>
-            </a:fontRef>
-          </p:style>
-        </p:cxnSp>
-        <p:cxnSp>
-          <p:nvCxnSpPr>
-            <p:cNvPr id="43" name="Straight Connector 42">
-              <a:extLst>
-                <a:ext uri="{FF2B5EF4-FFF2-40B4-BE49-F238E27FC236}">
-                  <a16:creationId xmlns:a16="http://schemas.microsoft.com/office/drawing/2014/main" id="{7EB3CBDC-12C9-4C9E-A969-4FFC5F5A3858}"/>
-                </a:ext>
-              </a:extLst>
-            </p:cNvPr>
-            <p:cNvCxnSpPr>
-              <a:cxnSpLocks/>
-            </p:cNvCxnSpPr>
-            <p:nvPr/>
-          </p:nvCxnSpPr>
-          <p:spPr>
-            <a:xfrm flipV="1">
-              <a:off x="1581851" y="2475284"/>
-              <a:ext cx="597313" cy="13839"/>
-            </a:xfrm>
-            <a:prstGeom prst="line">
-              <a:avLst/>
-            </a:prstGeom>
-            <a:ln w="38100" cap="rnd"/>
-          </p:spPr>
-          <p:style>
-            <a:lnRef idx="1">
-              <a:schemeClr val="dk1"/>
-            </a:lnRef>
-            <a:fillRef idx="0">
-              <a:schemeClr val="dk1"/>
-            </a:fillRef>
-            <a:effectRef idx="0">
-              <a:schemeClr val="dk1"/>
-            </a:effectRef>
-            <a:fontRef idx="minor">
-              <a:schemeClr val="tx1"/>
-            </a:fontRef>
-          </p:style>
-        </p:cxnSp>
-      </p:grpSp>
+          <a:custGeom>
+            <a:avLst/>
+            <a:gdLst>
+              <a:gd name="connsiteX0" fmla="*/ 0 w 5840116"/>
+              <a:gd name="connsiteY0" fmla="*/ 0 h 5934074"/>
+              <a:gd name="connsiteX1" fmla="*/ 5840116 w 5840116"/>
+              <a:gd name="connsiteY1" fmla="*/ 0 h 5934074"/>
+              <a:gd name="connsiteX2" fmla="*/ 5840116 w 5840116"/>
+              <a:gd name="connsiteY2" fmla="*/ 5934074 h 5934074"/>
+              <a:gd name="connsiteX3" fmla="*/ 0 w 5840116"/>
+              <a:gd name="connsiteY3" fmla="*/ 5934074 h 5934074"/>
+              <a:gd name="connsiteX4" fmla="*/ 0 w 5840116"/>
+              <a:gd name="connsiteY4" fmla="*/ 0 h 5934074"/>
+              <a:gd name="connsiteX0" fmla="*/ 0 w 5840116"/>
+              <a:gd name="connsiteY0" fmla="*/ 0 h 5934074"/>
+              <a:gd name="connsiteX1" fmla="*/ 5840116 w 5840116"/>
+              <a:gd name="connsiteY1" fmla="*/ 0 h 5934074"/>
+              <a:gd name="connsiteX2" fmla="*/ 5840116 w 5840116"/>
+              <a:gd name="connsiteY2" fmla="*/ 5934074 h 5934074"/>
+              <a:gd name="connsiteX3" fmla="*/ 2087592 w 5840116"/>
+              <a:gd name="connsiteY3" fmla="*/ 3363402 h 5934074"/>
+              <a:gd name="connsiteX4" fmla="*/ 0 w 5840116"/>
+              <a:gd name="connsiteY4" fmla="*/ 0 h 5934074"/>
+              <a:gd name="connsiteX0" fmla="*/ 0 w 5840116"/>
+              <a:gd name="connsiteY0" fmla="*/ 0 h 5934074"/>
+              <a:gd name="connsiteX1" fmla="*/ 5840116 w 5840116"/>
+              <a:gd name="connsiteY1" fmla="*/ 0 h 5934074"/>
+              <a:gd name="connsiteX2" fmla="*/ 5840116 w 5840116"/>
+              <a:gd name="connsiteY2" fmla="*/ 5934074 h 5934074"/>
+              <a:gd name="connsiteX3" fmla="*/ 3303917 w 5840116"/>
+              <a:gd name="connsiteY3" fmla="*/ 3604942 h 5934074"/>
+              <a:gd name="connsiteX4" fmla="*/ 0 w 5840116"/>
+              <a:gd name="connsiteY4" fmla="*/ 0 h 5934074"/>
+              <a:gd name="connsiteX0" fmla="*/ 0 w 5840116"/>
+              <a:gd name="connsiteY0" fmla="*/ 0 h 5934074"/>
+              <a:gd name="connsiteX1" fmla="*/ 5840116 w 5840116"/>
+              <a:gd name="connsiteY1" fmla="*/ 0 h 5934074"/>
+              <a:gd name="connsiteX2" fmla="*/ 5840116 w 5840116"/>
+              <a:gd name="connsiteY2" fmla="*/ 5934074 h 5934074"/>
+              <a:gd name="connsiteX3" fmla="*/ 2682815 w 5840116"/>
+              <a:gd name="connsiteY3" fmla="*/ 3432414 h 5934074"/>
+              <a:gd name="connsiteX4" fmla="*/ 0 w 5840116"/>
+              <a:gd name="connsiteY4" fmla="*/ 0 h 5934074"/>
+              <a:gd name="connsiteX0" fmla="*/ 0 w 5840116"/>
+              <a:gd name="connsiteY0" fmla="*/ 0 h 5865063"/>
+              <a:gd name="connsiteX1" fmla="*/ 5840116 w 5840116"/>
+              <a:gd name="connsiteY1" fmla="*/ 0 h 5865063"/>
+              <a:gd name="connsiteX2" fmla="*/ 5840116 w 5840116"/>
+              <a:gd name="connsiteY2" fmla="*/ 5865063 h 5865063"/>
+              <a:gd name="connsiteX3" fmla="*/ 2682815 w 5840116"/>
+              <a:gd name="connsiteY3" fmla="*/ 3432414 h 5865063"/>
+              <a:gd name="connsiteX4" fmla="*/ 0 w 5840116"/>
+              <a:gd name="connsiteY4" fmla="*/ 0 h 5865063"/>
+              <a:gd name="connsiteX0" fmla="*/ 0 w 5840116"/>
+              <a:gd name="connsiteY0" fmla="*/ 0 h 5865063"/>
+              <a:gd name="connsiteX1" fmla="*/ 5840116 w 5840116"/>
+              <a:gd name="connsiteY1" fmla="*/ 0 h 5865063"/>
+              <a:gd name="connsiteX2" fmla="*/ 5840116 w 5840116"/>
+              <a:gd name="connsiteY2" fmla="*/ 5865063 h 5865063"/>
+              <a:gd name="connsiteX3" fmla="*/ 2678052 w 5840116"/>
+              <a:gd name="connsiteY3" fmla="*/ 3420508 h 5865063"/>
+              <a:gd name="connsiteX4" fmla="*/ 0 w 5840116"/>
+              <a:gd name="connsiteY4" fmla="*/ 0 h 5865063"/>
+              <a:gd name="connsiteX0" fmla="*/ 0 w 5840116"/>
+              <a:gd name="connsiteY0" fmla="*/ 0 h 5876970"/>
+              <a:gd name="connsiteX1" fmla="*/ 5840116 w 5840116"/>
+              <a:gd name="connsiteY1" fmla="*/ 11907 h 5876970"/>
+              <a:gd name="connsiteX2" fmla="*/ 5840116 w 5840116"/>
+              <a:gd name="connsiteY2" fmla="*/ 5876970 h 5876970"/>
+              <a:gd name="connsiteX3" fmla="*/ 2678052 w 5840116"/>
+              <a:gd name="connsiteY3" fmla="*/ 3432415 h 5876970"/>
+              <a:gd name="connsiteX4" fmla="*/ 0 w 5840116"/>
+              <a:gd name="connsiteY4" fmla="*/ 0 h 5876970"/>
+              <a:gd name="connsiteX0" fmla="*/ 0 w 5840116"/>
+              <a:gd name="connsiteY0" fmla="*/ 0 h 5876970"/>
+              <a:gd name="connsiteX1" fmla="*/ 5840116 w 5840116"/>
+              <a:gd name="connsiteY1" fmla="*/ 11907 h 5876970"/>
+              <a:gd name="connsiteX2" fmla="*/ 5840116 w 5840116"/>
+              <a:gd name="connsiteY2" fmla="*/ 5876970 h 5876970"/>
+              <a:gd name="connsiteX3" fmla="*/ 2682815 w 5840116"/>
+              <a:gd name="connsiteY3" fmla="*/ 3430034 h 5876970"/>
+              <a:gd name="connsiteX4" fmla="*/ 0 w 5840116"/>
+              <a:gd name="connsiteY4" fmla="*/ 0 h 5876970"/>
+              <a:gd name="connsiteX0" fmla="*/ 0 w 5849641"/>
+              <a:gd name="connsiteY0" fmla="*/ 0 h 5873795"/>
+              <a:gd name="connsiteX1" fmla="*/ 5840116 w 5849641"/>
+              <a:gd name="connsiteY1" fmla="*/ 11907 h 5873795"/>
+              <a:gd name="connsiteX2" fmla="*/ 5849641 w 5849641"/>
+              <a:gd name="connsiteY2" fmla="*/ 5873795 h 5873795"/>
+              <a:gd name="connsiteX3" fmla="*/ 2682815 w 5849641"/>
+              <a:gd name="connsiteY3" fmla="*/ 3430034 h 5873795"/>
+              <a:gd name="connsiteX4" fmla="*/ 0 w 5849641"/>
+              <a:gd name="connsiteY4" fmla="*/ 0 h 5873795"/>
+            </a:gdLst>
+            <a:ahLst/>
+            <a:cxnLst>
+              <a:cxn ang="0">
+                <a:pos x="connsiteX0" y="connsiteY0"/>
+              </a:cxn>
+              <a:cxn ang="0">
+                <a:pos x="connsiteX1" y="connsiteY1"/>
+              </a:cxn>
+              <a:cxn ang="0">
+                <a:pos x="connsiteX2" y="connsiteY2"/>
+              </a:cxn>
+              <a:cxn ang="0">
+                <a:pos x="connsiteX3" y="connsiteY3"/>
+              </a:cxn>
+              <a:cxn ang="0">
+                <a:pos x="connsiteX4" y="connsiteY4"/>
+              </a:cxn>
+            </a:cxnLst>
+            <a:rect l="l" t="t" r="r" b="b"/>
+            <a:pathLst>
+              <a:path w="5849641" h="5873795">
+                <a:moveTo>
+                  <a:pt x="0" y="0"/>
+                </a:moveTo>
+                <a:lnTo>
+                  <a:pt x="5840116" y="11907"/>
+                </a:lnTo>
+                <a:lnTo>
+                  <a:pt x="5849641" y="5873795"/>
+                </a:lnTo>
+                <a:lnTo>
+                  <a:pt x="2682815" y="3430034"/>
+                </a:lnTo>
+                <a:lnTo>
+                  <a:pt x="0" y="0"/>
+                </a:lnTo>
+                <a:close/>
+              </a:path>
+            </a:pathLst>
+          </a:custGeom>
+          <a:solidFill>
+            <a:schemeClr val="bg1">
+              <a:lumMod val="85000"/>
+            </a:schemeClr>
+          </a:solidFill>
+          <a:ln>
+            <a:noFill/>
+          </a:ln>
+        </p:spPr>
+        <p:style>
+          <a:lnRef idx="2">
+            <a:schemeClr val="accent1">
+              <a:shade val="50000"/>
+            </a:schemeClr>
+          </a:lnRef>
+          <a:fillRef idx="1">
+            <a:schemeClr val="accent1"/>
+          </a:fillRef>
+          <a:effectRef idx="0">
+            <a:schemeClr val="accent1"/>
+          </a:effectRef>
+          <a:fontRef idx="minor">
+            <a:schemeClr val="lt1"/>
+          </a:fontRef>
+        </p:style>
+        <p:txBody>
+          <a:bodyPr rtlCol="0" anchor="ctr"/>
+          <a:lstStyle/>
+          <a:p>
+            <a:pPr algn="ctr"/>
+            <a:endParaRPr lang="en-GB" dirty="0"/>
+          </a:p>
+        </p:txBody>
+      </p:sp>
+      <p:sp>
+        <p:nvSpPr>
+          <p:cNvPr id="39" name="Rectangle 38">
+            <a:extLst>
+              <a:ext uri="{FF2B5EF4-FFF2-40B4-BE49-F238E27FC236}">
+                <a16:creationId xmlns:a16="http://schemas.microsoft.com/office/drawing/2014/main" id="{7790B707-76CF-4F18-A5CC-489D3776BCB4}"/>
+              </a:ext>
+            </a:extLst>
+          </p:cNvPr>
+          <p:cNvSpPr/>
+          <p:nvPr/>
+        </p:nvSpPr>
+        <p:spPr>
+          <a:xfrm>
+            <a:off x="1076569" y="227310"/>
+            <a:ext cx="5917487" cy="5934074"/>
+          </a:xfrm>
+          <a:custGeom>
+            <a:avLst/>
+            <a:gdLst>
+              <a:gd name="connsiteX0" fmla="*/ 0 w 6012737"/>
+              <a:gd name="connsiteY0" fmla="*/ 0 h 5934074"/>
+              <a:gd name="connsiteX1" fmla="*/ 6012737 w 6012737"/>
+              <a:gd name="connsiteY1" fmla="*/ 0 h 5934074"/>
+              <a:gd name="connsiteX2" fmla="*/ 6012737 w 6012737"/>
+              <a:gd name="connsiteY2" fmla="*/ 5934074 h 5934074"/>
+              <a:gd name="connsiteX3" fmla="*/ 0 w 6012737"/>
+              <a:gd name="connsiteY3" fmla="*/ 5934074 h 5934074"/>
+              <a:gd name="connsiteX4" fmla="*/ 0 w 6012737"/>
+              <a:gd name="connsiteY4" fmla="*/ 0 h 5934074"/>
+              <a:gd name="connsiteX0" fmla="*/ 0 w 6012737"/>
+              <a:gd name="connsiteY0" fmla="*/ 0 h 5934074"/>
+              <a:gd name="connsiteX1" fmla="*/ 6012737 w 6012737"/>
+              <a:gd name="connsiteY1" fmla="*/ 0 h 5934074"/>
+              <a:gd name="connsiteX2" fmla="*/ 6012737 w 6012737"/>
+              <a:gd name="connsiteY2" fmla="*/ 5934074 h 5934074"/>
+              <a:gd name="connsiteX3" fmla="*/ 2486025 w 6012737"/>
+              <a:gd name="connsiteY3" fmla="*/ 3324224 h 5934074"/>
+              <a:gd name="connsiteX4" fmla="*/ 0 w 6012737"/>
+              <a:gd name="connsiteY4" fmla="*/ 0 h 5934074"/>
+              <a:gd name="connsiteX0" fmla="*/ 0 w 6012737"/>
+              <a:gd name="connsiteY0" fmla="*/ 0 h 5934074"/>
+              <a:gd name="connsiteX1" fmla="*/ 6012737 w 6012737"/>
+              <a:gd name="connsiteY1" fmla="*/ 0 h 5934074"/>
+              <a:gd name="connsiteX2" fmla="*/ 6012737 w 6012737"/>
+              <a:gd name="connsiteY2" fmla="*/ 5934074 h 5934074"/>
+              <a:gd name="connsiteX3" fmla="*/ 2933700 w 6012737"/>
+              <a:gd name="connsiteY3" fmla="*/ 3448049 h 5934074"/>
+              <a:gd name="connsiteX4" fmla="*/ 0 w 6012737"/>
+              <a:gd name="connsiteY4" fmla="*/ 0 h 5934074"/>
+              <a:gd name="connsiteX0" fmla="*/ 0 w 6012737"/>
+              <a:gd name="connsiteY0" fmla="*/ 0 h 5934074"/>
+              <a:gd name="connsiteX1" fmla="*/ 6012737 w 6012737"/>
+              <a:gd name="connsiteY1" fmla="*/ 0 h 5934074"/>
+              <a:gd name="connsiteX2" fmla="*/ 6012737 w 6012737"/>
+              <a:gd name="connsiteY2" fmla="*/ 5934074 h 5934074"/>
+              <a:gd name="connsiteX3" fmla="*/ 3048000 w 6012737"/>
+              <a:gd name="connsiteY3" fmla="*/ 3752849 h 5934074"/>
+              <a:gd name="connsiteX4" fmla="*/ 0 w 6012737"/>
+              <a:gd name="connsiteY4" fmla="*/ 0 h 5934074"/>
+              <a:gd name="connsiteX0" fmla="*/ 0 w 6012737"/>
+              <a:gd name="connsiteY0" fmla="*/ 0 h 5934074"/>
+              <a:gd name="connsiteX1" fmla="*/ 6012737 w 6012737"/>
+              <a:gd name="connsiteY1" fmla="*/ 0 h 5934074"/>
+              <a:gd name="connsiteX2" fmla="*/ 6012737 w 6012737"/>
+              <a:gd name="connsiteY2" fmla="*/ 5934074 h 5934074"/>
+              <a:gd name="connsiteX3" fmla="*/ 3048000 w 6012737"/>
+              <a:gd name="connsiteY3" fmla="*/ 3752849 h 5934074"/>
+              <a:gd name="connsiteX4" fmla="*/ 0 w 6012737"/>
+              <a:gd name="connsiteY4" fmla="*/ 0 h 5934074"/>
+              <a:gd name="connsiteX0" fmla="*/ 0 w 5561887"/>
+              <a:gd name="connsiteY0" fmla="*/ 0 h 5934074"/>
+              <a:gd name="connsiteX1" fmla="*/ 5561887 w 5561887"/>
+              <a:gd name="connsiteY1" fmla="*/ 0 h 5934074"/>
+              <a:gd name="connsiteX2" fmla="*/ 5561887 w 5561887"/>
+              <a:gd name="connsiteY2" fmla="*/ 5934074 h 5934074"/>
+              <a:gd name="connsiteX3" fmla="*/ 2597150 w 5561887"/>
+              <a:gd name="connsiteY3" fmla="*/ 3752849 h 5934074"/>
+              <a:gd name="connsiteX4" fmla="*/ 0 w 5561887"/>
+              <a:gd name="connsiteY4" fmla="*/ 0 h 5934074"/>
+              <a:gd name="connsiteX0" fmla="*/ 0 w 5917487"/>
+              <a:gd name="connsiteY0" fmla="*/ 0 h 5934074"/>
+              <a:gd name="connsiteX1" fmla="*/ 5917487 w 5917487"/>
+              <a:gd name="connsiteY1" fmla="*/ 0 h 5934074"/>
+              <a:gd name="connsiteX2" fmla="*/ 5917487 w 5917487"/>
+              <a:gd name="connsiteY2" fmla="*/ 5934074 h 5934074"/>
+              <a:gd name="connsiteX3" fmla="*/ 2952750 w 5917487"/>
+              <a:gd name="connsiteY3" fmla="*/ 3752849 h 5934074"/>
+              <a:gd name="connsiteX4" fmla="*/ 0 w 5917487"/>
+              <a:gd name="connsiteY4" fmla="*/ 0 h 5934074"/>
+              <a:gd name="connsiteX0" fmla="*/ 0 w 5917487"/>
+              <a:gd name="connsiteY0" fmla="*/ 0 h 5934074"/>
+              <a:gd name="connsiteX1" fmla="*/ 5917487 w 5917487"/>
+              <a:gd name="connsiteY1" fmla="*/ 0 h 5934074"/>
+              <a:gd name="connsiteX2" fmla="*/ 5917487 w 5917487"/>
+              <a:gd name="connsiteY2" fmla="*/ 5934074 h 5934074"/>
+              <a:gd name="connsiteX3" fmla="*/ 2724150 w 5917487"/>
+              <a:gd name="connsiteY3" fmla="*/ 3473449 h 5934074"/>
+              <a:gd name="connsiteX4" fmla="*/ 0 w 5917487"/>
+              <a:gd name="connsiteY4" fmla="*/ 0 h 5934074"/>
+            </a:gdLst>
+            <a:ahLst/>
+            <a:cxnLst>
+              <a:cxn ang="0">
+                <a:pos x="connsiteX0" y="connsiteY0"/>
+              </a:cxn>
+              <a:cxn ang="0">
+                <a:pos x="connsiteX1" y="connsiteY1"/>
+              </a:cxn>
+              <a:cxn ang="0">
+                <a:pos x="connsiteX2" y="connsiteY2"/>
+              </a:cxn>
+              <a:cxn ang="0">
+                <a:pos x="connsiteX3" y="connsiteY3"/>
+              </a:cxn>
+              <a:cxn ang="0">
+                <a:pos x="connsiteX4" y="connsiteY4"/>
+              </a:cxn>
+            </a:cxnLst>
+            <a:rect l="l" t="t" r="r" b="b"/>
+            <a:pathLst>
+              <a:path w="5917487" h="5934074">
+                <a:moveTo>
+                  <a:pt x="0" y="0"/>
+                </a:moveTo>
+                <a:lnTo>
+                  <a:pt x="5917487" y="0"/>
+                </a:lnTo>
+                <a:lnTo>
+                  <a:pt x="5917487" y="5934074"/>
+                </a:lnTo>
+                <a:lnTo>
+                  <a:pt x="2724150" y="3473449"/>
+                </a:lnTo>
+                <a:lnTo>
+                  <a:pt x="0" y="0"/>
+                </a:lnTo>
+                <a:close/>
+              </a:path>
+            </a:pathLst>
+          </a:custGeom>
+          <a:noFill/>
+          <a:ln>
+            <a:noFill/>
+          </a:ln>
+        </p:spPr>
+        <p:style>
+          <a:lnRef idx="1">
+            <a:schemeClr val="dk1"/>
+          </a:lnRef>
+          <a:fillRef idx="2">
+            <a:schemeClr val="dk1"/>
+          </a:fillRef>
+          <a:effectRef idx="1">
+            <a:schemeClr val="dk1"/>
+          </a:effectRef>
+          <a:fontRef idx="minor">
+            <a:schemeClr val="dk1"/>
+          </a:fontRef>
+        </p:style>
+        <p:txBody>
+          <a:bodyPr rtlCol="0" anchor="ctr"/>
+          <a:lstStyle/>
+          <a:p>
+            <a:pPr algn="ctr"/>
+            <a:endParaRPr lang="es-ES" dirty="0"/>
+          </a:p>
+        </p:txBody>
+      </p:sp>
+      <p:cxnSp>
+        <p:nvCxnSpPr>
+          <p:cNvPr id="36" name="Straight Connector 35"/>
+          <p:cNvCxnSpPr/>
+          <p:nvPr/>
+        </p:nvCxnSpPr>
+        <p:spPr>
+          <a:xfrm>
+            <a:off x="981319" y="227310"/>
+            <a:ext cx="18561" cy="5943600"/>
+          </a:xfrm>
+          <a:prstGeom prst="line">
+            <a:avLst/>
+          </a:prstGeom>
+          <a:ln w="38100"/>
+        </p:spPr>
+        <p:style>
+          <a:lnRef idx="1">
+            <a:schemeClr val="dk1"/>
+          </a:lnRef>
+          <a:fillRef idx="0">
+            <a:schemeClr val="dk1"/>
+          </a:fillRef>
+          <a:effectRef idx="0">
+            <a:schemeClr val="dk1"/>
+          </a:effectRef>
+          <a:fontRef idx="minor">
+            <a:schemeClr val="tx1"/>
+          </a:fontRef>
+        </p:style>
+      </p:cxnSp>
+      <p:cxnSp>
+        <p:nvCxnSpPr>
+          <p:cNvPr id="42" name="Straight Connector 41"/>
+          <p:cNvCxnSpPr/>
+          <p:nvPr/>
+        </p:nvCxnSpPr>
+        <p:spPr>
+          <a:xfrm flipH="1">
+            <a:off x="990600" y="6174085"/>
+            <a:ext cx="6003456" cy="0"/>
+          </a:xfrm>
+          <a:prstGeom prst="line">
+            <a:avLst/>
+          </a:prstGeom>
+          <a:ln w="38100"/>
+        </p:spPr>
+        <p:style>
+          <a:lnRef idx="1">
+            <a:schemeClr val="dk1"/>
+          </a:lnRef>
+          <a:fillRef idx="0">
+            <a:schemeClr val="dk1"/>
+          </a:fillRef>
+          <a:effectRef idx="0">
+            <a:schemeClr val="dk1"/>
+          </a:effectRef>
+          <a:fontRef idx="minor">
+            <a:schemeClr val="tx1"/>
+          </a:fontRef>
+        </p:style>
+      </p:cxnSp>
+      <p:sp>
+        <p:nvSpPr>
+          <p:cNvPr id="108" name="TextBox 107"/>
+          <p:cNvSpPr txBox="1"/>
+          <p:nvPr/>
+        </p:nvSpPr>
+        <p:spPr>
+          <a:xfrm rot="16200000">
+            <a:off x="-851006" y="2969568"/>
+            <a:ext cx="3078087" cy="461665"/>
+          </a:xfrm>
+          <a:prstGeom prst="rect">
+            <a:avLst/>
+          </a:prstGeom>
+          <a:noFill/>
+        </p:spPr>
+        <p:txBody>
+          <a:bodyPr wrap="none" rtlCol="0">
+            <a:spAutoFit/>
+          </a:bodyPr>
+          <a:lstStyle/>
+          <a:p>
+            <a:r>
+              <a:rPr lang="en-US" sz="2400" dirty="0">
+                <a:latin typeface="Arial" panose="020B0604020202020204" pitchFamily="34" charset="0"/>
+                <a:ea typeface="Amiri" panose="00000500000000000000" pitchFamily="2" charset="-78"/>
+                <a:cs typeface="Arial" panose="020B0604020202020204" pitchFamily="34" charset="0"/>
+              </a:rPr>
+              <a:t>Log</a:t>
+            </a:r>
+            <a:r>
+              <a:rPr lang="en-US" sz="2400" baseline="-25000" dirty="0">
+                <a:latin typeface="Arial" panose="020B0604020202020204" pitchFamily="34" charset="0"/>
+                <a:ea typeface="Amiri" panose="00000500000000000000" pitchFamily="2" charset="-78"/>
+                <a:cs typeface="Arial" panose="020B0604020202020204" pitchFamily="34" charset="0"/>
+              </a:rPr>
+              <a:t>10</a:t>
+            </a:r>
+            <a:r>
+              <a:rPr lang="en-US" sz="2400" dirty="0">
+                <a:latin typeface="Arial" panose="020B0604020202020204" pitchFamily="34" charset="0"/>
+                <a:ea typeface="Amiri" panose="00000500000000000000" pitchFamily="2" charset="-78"/>
+                <a:cs typeface="Arial" panose="020B0604020202020204" pitchFamily="34" charset="0"/>
+              </a:rPr>
+              <a:t> time (minutes)</a:t>
+            </a:r>
+          </a:p>
+        </p:txBody>
+      </p:sp>
+      <p:sp>
+        <p:nvSpPr>
+          <p:cNvPr id="116" name="TextBox 115"/>
+          <p:cNvSpPr txBox="1"/>
+          <p:nvPr/>
+        </p:nvSpPr>
+        <p:spPr>
+          <a:xfrm>
+            <a:off x="2731502" y="6167735"/>
+            <a:ext cx="2550250" cy="461665"/>
+          </a:xfrm>
+          <a:prstGeom prst="rect">
+            <a:avLst/>
+          </a:prstGeom>
+          <a:noFill/>
+        </p:spPr>
+        <p:txBody>
+          <a:bodyPr wrap="none" rtlCol="0">
+            <a:spAutoFit/>
+          </a:bodyPr>
+          <a:lstStyle/>
+          <a:p>
+            <a:r>
+              <a:rPr lang="en-US" sz="2400" dirty="0">
+                <a:latin typeface="Arial" panose="020B0604020202020204" pitchFamily="34" charset="0"/>
+                <a:cs typeface="Arial" panose="020B0604020202020204" pitchFamily="34" charset="0"/>
+              </a:rPr>
+              <a:t>Temperature (°C)</a:t>
+            </a:r>
+          </a:p>
+        </p:txBody>
+      </p:sp>
+      <p:cxnSp>
+        <p:nvCxnSpPr>
+          <p:cNvPr id="67" name="Straight Connector 66">
+            <a:extLst>
+              <a:ext uri="{FF2B5EF4-FFF2-40B4-BE49-F238E27FC236}">
+                <a16:creationId xmlns:a16="http://schemas.microsoft.com/office/drawing/2014/main" id="{AE0E5F09-77E1-4805-B59F-673C9B61E487}"/>
+              </a:ext>
+            </a:extLst>
+          </p:cNvPr>
+          <p:cNvCxnSpPr>
+            <a:cxnSpLocks/>
+            <a:stCxn id="39" idx="0"/>
+          </p:cNvCxnSpPr>
+          <p:nvPr/>
+        </p:nvCxnSpPr>
+        <p:spPr>
+          <a:xfrm>
+            <a:off x="1076569" y="227310"/>
+            <a:ext cx="4638431" cy="5934074"/>
+          </a:xfrm>
+          <a:prstGeom prst="line">
+            <a:avLst/>
+          </a:prstGeom>
+          <a:ln w="38100" cap="rnd"/>
+        </p:spPr>
+        <p:style>
+          <a:lnRef idx="1">
+            <a:schemeClr val="dk1"/>
+          </a:lnRef>
+          <a:fillRef idx="0">
+            <a:schemeClr val="dk1"/>
+          </a:fillRef>
+          <a:effectRef idx="0">
+            <a:schemeClr val="dk1"/>
+          </a:effectRef>
+          <a:fontRef idx="minor">
+            <a:schemeClr val="tx1"/>
+          </a:fontRef>
+        </p:style>
+      </p:cxnSp>
+      <p:cxnSp>
+        <p:nvCxnSpPr>
+          <p:cNvPr id="71" name="Straight Connector 70">
+            <a:extLst>
+              <a:ext uri="{FF2B5EF4-FFF2-40B4-BE49-F238E27FC236}">
+                <a16:creationId xmlns:a16="http://schemas.microsoft.com/office/drawing/2014/main" id="{B6B80FB7-0E68-4B24-BC92-A3C189030B05}"/>
+              </a:ext>
+            </a:extLst>
+          </p:cNvPr>
+          <p:cNvCxnSpPr>
+            <a:cxnSpLocks/>
+            <a:endCxn id="39" idx="2"/>
+          </p:cNvCxnSpPr>
+          <p:nvPr/>
+        </p:nvCxnSpPr>
+        <p:spPr>
+          <a:xfrm>
+            <a:off x="1094084" y="1600200"/>
+            <a:ext cx="5899972" cy="4561184"/>
+          </a:xfrm>
+          <a:prstGeom prst="line">
+            <a:avLst/>
+          </a:prstGeom>
+          <a:ln w="38100" cap="rnd">
+            <a:prstDash val="lgDash"/>
+          </a:ln>
+        </p:spPr>
+        <p:style>
+          <a:lnRef idx="1">
+            <a:schemeClr val="dk1"/>
+          </a:lnRef>
+          <a:fillRef idx="0">
+            <a:schemeClr val="dk1"/>
+          </a:fillRef>
+          <a:effectRef idx="0">
+            <a:schemeClr val="dk1"/>
+          </a:effectRef>
+          <a:fontRef idx="minor">
+            <a:schemeClr val="tx1"/>
+          </a:fontRef>
+        </p:style>
+      </p:cxnSp>
+      <p:sp>
+        <p:nvSpPr>
+          <p:cNvPr id="51" name="TextBox 50">
+            <a:extLst>
+              <a:ext uri="{FF2B5EF4-FFF2-40B4-BE49-F238E27FC236}">
+                <a16:creationId xmlns:a16="http://schemas.microsoft.com/office/drawing/2014/main" id="{7297F19D-9306-4884-B044-23576B620508}"/>
+              </a:ext>
+            </a:extLst>
+          </p:cNvPr>
+          <p:cNvSpPr txBox="1"/>
+          <p:nvPr/>
+        </p:nvSpPr>
+        <p:spPr>
+          <a:xfrm>
+            <a:off x="4240021" y="1571850"/>
+            <a:ext cx="1590064" cy="523220"/>
+          </a:xfrm>
+          <a:prstGeom prst="rect">
+            <a:avLst/>
+          </a:prstGeom>
+          <a:noFill/>
+        </p:spPr>
+        <p:txBody>
+          <a:bodyPr wrap="square" rtlCol="0">
+            <a:spAutoFit/>
+          </a:bodyPr>
+          <a:lstStyle/>
+          <a:p>
+            <a:r>
+              <a:rPr lang="es-CL" sz="2800" b="1" dirty="0" err="1">
+                <a:latin typeface="Arial" panose="020B0604020202020204" pitchFamily="34" charset="0"/>
+                <a:cs typeface="Arial" panose="020B0604020202020204" pitchFamily="34" charset="0"/>
+              </a:rPr>
+              <a:t>Death</a:t>
+            </a:r>
+            <a:endParaRPr lang="es-ES" sz="2800" b="1" dirty="0">
+              <a:latin typeface="Arial" panose="020B0604020202020204" pitchFamily="34" charset="0"/>
+              <a:cs typeface="Arial" panose="020B0604020202020204" pitchFamily="34" charset="0"/>
+            </a:endParaRPr>
+          </a:p>
+        </p:txBody>
+      </p:sp>
+      <p:sp>
+        <p:nvSpPr>
+          <p:cNvPr id="96" name="TextBox 95">
+            <a:extLst>
+              <a:ext uri="{FF2B5EF4-FFF2-40B4-BE49-F238E27FC236}">
+                <a16:creationId xmlns:a16="http://schemas.microsoft.com/office/drawing/2014/main" id="{D10BA7F5-544A-48DA-A55F-F6485DDEAFE4}"/>
+              </a:ext>
+            </a:extLst>
+          </p:cNvPr>
+          <p:cNvSpPr txBox="1"/>
+          <p:nvPr/>
+        </p:nvSpPr>
+        <p:spPr>
+          <a:xfrm>
+            <a:off x="1421429" y="4164903"/>
+            <a:ext cx="2144092" cy="523220"/>
+          </a:xfrm>
+          <a:prstGeom prst="rect">
+            <a:avLst/>
+          </a:prstGeom>
+          <a:noFill/>
+        </p:spPr>
+        <p:txBody>
+          <a:bodyPr wrap="square" rtlCol="0">
+            <a:spAutoFit/>
+          </a:bodyPr>
+          <a:lstStyle/>
+          <a:p>
+            <a:r>
+              <a:rPr lang="es-CL" sz="2800" b="1" dirty="0" err="1">
+                <a:latin typeface="Arial" panose="020B0604020202020204" pitchFamily="34" charset="0"/>
+                <a:cs typeface="Arial" panose="020B0604020202020204" pitchFamily="34" charset="0"/>
+              </a:rPr>
+              <a:t>Tolerance</a:t>
+            </a:r>
+            <a:endParaRPr lang="es-ES" sz="2800" b="1" dirty="0">
+              <a:latin typeface="Arial" panose="020B0604020202020204" pitchFamily="34" charset="0"/>
+              <a:cs typeface="Arial" panose="020B0604020202020204" pitchFamily="34" charset="0"/>
+            </a:endParaRPr>
+          </a:p>
+        </p:txBody>
+      </p:sp>
+      <p:sp>
+        <p:nvSpPr>
+          <p:cNvPr id="52" name="TextBox 51">
+            <a:extLst>
+              <a:ext uri="{FF2B5EF4-FFF2-40B4-BE49-F238E27FC236}">
+                <a16:creationId xmlns:a16="http://schemas.microsoft.com/office/drawing/2014/main" id="{4BE8AB17-672C-4C43-8A1D-617BEBC1471A}"/>
+              </a:ext>
+            </a:extLst>
+          </p:cNvPr>
+          <p:cNvSpPr txBox="1"/>
+          <p:nvPr/>
+        </p:nvSpPr>
+        <p:spPr>
+          <a:xfrm>
+            <a:off x="1820984" y="918983"/>
+            <a:ext cx="1600200" cy="369332"/>
+          </a:xfrm>
+          <a:prstGeom prst="rect">
+            <a:avLst/>
+          </a:prstGeom>
+          <a:noFill/>
+        </p:spPr>
+        <p:txBody>
+          <a:bodyPr wrap="square" rtlCol="0">
+            <a:spAutoFit/>
+          </a:bodyPr>
+          <a:lstStyle/>
+          <a:p>
+            <a:r>
+              <a:rPr lang="es-CL" i="1" dirty="0">
+                <a:latin typeface="Arial" panose="020B0604020202020204" pitchFamily="34" charset="0"/>
+                <a:cs typeface="Arial" panose="020B0604020202020204" pitchFamily="34" charset="0"/>
+              </a:rPr>
+              <a:t>Z</a:t>
+            </a:r>
+            <a:r>
+              <a:rPr lang="es-CL" baseline="-25000" dirty="0">
+                <a:latin typeface="Arial" panose="020B0604020202020204" pitchFamily="34" charset="0"/>
+                <a:cs typeface="Arial" panose="020B0604020202020204" pitchFamily="34" charset="0"/>
+              </a:rPr>
+              <a:t>1</a:t>
+            </a:r>
+            <a:r>
+              <a:rPr lang="es-CL" dirty="0">
+                <a:latin typeface="Arial" panose="020B0604020202020204" pitchFamily="34" charset="0"/>
+                <a:cs typeface="Arial" panose="020B0604020202020204" pitchFamily="34" charset="0"/>
+              </a:rPr>
+              <a:t> = -1/</a:t>
+            </a:r>
+            <a:r>
+              <a:rPr lang="el-GR" dirty="0">
+                <a:latin typeface="Arial" panose="020B0604020202020204" pitchFamily="34" charset="0"/>
+                <a:cs typeface="Arial" panose="020B0604020202020204" pitchFamily="34" charset="0"/>
+              </a:rPr>
+              <a:t>β</a:t>
+            </a:r>
+            <a:r>
+              <a:rPr lang="es-CL" baseline="-25000" dirty="0">
+                <a:latin typeface="Arial" panose="020B0604020202020204" pitchFamily="34" charset="0"/>
+                <a:cs typeface="Arial" panose="020B0604020202020204" pitchFamily="34" charset="0"/>
+              </a:rPr>
+              <a:t>1</a:t>
+            </a:r>
+            <a:endParaRPr lang="es-ES" baseline="-25000" dirty="0">
+              <a:latin typeface="Arial" panose="020B0604020202020204" pitchFamily="34" charset="0"/>
+              <a:cs typeface="Arial" panose="020B0604020202020204" pitchFamily="34" charset="0"/>
+            </a:endParaRPr>
+          </a:p>
+        </p:txBody>
+      </p:sp>
+      <p:sp>
+        <p:nvSpPr>
+          <p:cNvPr id="99" name="TextBox 98">
+            <a:extLst>
+              <a:ext uri="{FF2B5EF4-FFF2-40B4-BE49-F238E27FC236}">
+                <a16:creationId xmlns:a16="http://schemas.microsoft.com/office/drawing/2014/main" id="{1E3370AF-A93A-4E2F-B82E-238ED709CD31}"/>
+              </a:ext>
+            </a:extLst>
+          </p:cNvPr>
+          <p:cNvSpPr txBox="1"/>
+          <p:nvPr/>
+        </p:nvSpPr>
+        <p:spPr>
+          <a:xfrm>
+            <a:off x="1098166" y="2544235"/>
+            <a:ext cx="1200146" cy="369332"/>
+          </a:xfrm>
+          <a:prstGeom prst="rect">
+            <a:avLst/>
+          </a:prstGeom>
+          <a:noFill/>
+        </p:spPr>
+        <p:txBody>
+          <a:bodyPr wrap="square" rtlCol="0">
+            <a:spAutoFit/>
+          </a:bodyPr>
+          <a:lstStyle/>
+          <a:p>
+            <a:r>
+              <a:rPr lang="es-CL" i="1" dirty="0">
+                <a:latin typeface="Arial" panose="020B0604020202020204" pitchFamily="34" charset="0"/>
+                <a:cs typeface="Arial" panose="020B0604020202020204" pitchFamily="34" charset="0"/>
+              </a:rPr>
+              <a:t>Z</a:t>
+            </a:r>
+            <a:r>
+              <a:rPr lang="es-CL" baseline="-25000" dirty="0">
+                <a:latin typeface="Arial" panose="020B0604020202020204" pitchFamily="34" charset="0"/>
+                <a:cs typeface="Arial" panose="020B0604020202020204" pitchFamily="34" charset="0"/>
+              </a:rPr>
+              <a:t>2</a:t>
+            </a:r>
+            <a:r>
+              <a:rPr lang="es-CL" dirty="0">
+                <a:latin typeface="Arial" panose="020B0604020202020204" pitchFamily="34" charset="0"/>
+                <a:cs typeface="Arial" panose="020B0604020202020204" pitchFamily="34" charset="0"/>
+              </a:rPr>
+              <a:t> = -1/</a:t>
+            </a:r>
+            <a:r>
+              <a:rPr lang="el-GR" dirty="0">
+                <a:latin typeface="Arial" panose="020B0604020202020204" pitchFamily="34" charset="0"/>
+                <a:cs typeface="Arial" panose="020B0604020202020204" pitchFamily="34" charset="0"/>
+              </a:rPr>
+              <a:t>β</a:t>
+            </a:r>
+            <a:r>
+              <a:rPr lang="es-CL" baseline="-25000" dirty="0">
+                <a:latin typeface="Arial" panose="020B0604020202020204" pitchFamily="34" charset="0"/>
+                <a:cs typeface="Arial" panose="020B0604020202020204" pitchFamily="34" charset="0"/>
+              </a:rPr>
+              <a:t>2</a:t>
+            </a:r>
+            <a:endParaRPr lang="es-ES" baseline="-25000" dirty="0">
+              <a:latin typeface="Arial" panose="020B0604020202020204" pitchFamily="34" charset="0"/>
+              <a:cs typeface="Arial" panose="020B0604020202020204" pitchFamily="34" charset="0"/>
+            </a:endParaRPr>
+          </a:p>
+        </p:txBody>
+      </p:sp>
+      <p:sp>
+        <p:nvSpPr>
+          <p:cNvPr id="61" name="TextBox 60">
+            <a:extLst>
+              <a:ext uri="{FF2B5EF4-FFF2-40B4-BE49-F238E27FC236}">
+                <a16:creationId xmlns:a16="http://schemas.microsoft.com/office/drawing/2014/main" id="{056D4232-89C0-4C18-B688-F34BFBF146FB}"/>
+              </a:ext>
+            </a:extLst>
+          </p:cNvPr>
+          <p:cNvSpPr txBox="1"/>
+          <p:nvPr/>
+        </p:nvSpPr>
+        <p:spPr>
+          <a:xfrm>
+            <a:off x="4506721" y="5802831"/>
+            <a:ext cx="1006479" cy="369332"/>
+          </a:xfrm>
+          <a:prstGeom prst="rect">
+            <a:avLst/>
+          </a:prstGeom>
+          <a:noFill/>
+        </p:spPr>
+        <p:txBody>
+          <a:bodyPr wrap="square" rtlCol="0">
+            <a:spAutoFit/>
+          </a:bodyPr>
+          <a:lstStyle/>
+          <a:p>
+            <a:r>
+              <a:rPr lang="es-CL" dirty="0">
+                <a:latin typeface="Arial" panose="020B0604020202020204" pitchFamily="34" charset="0"/>
+                <a:cs typeface="Arial" panose="020B0604020202020204" pitchFamily="34" charset="0"/>
+              </a:rPr>
+              <a:t>CTmax</a:t>
+            </a:r>
+            <a:r>
+              <a:rPr lang="es-CL" baseline="-25000" dirty="0">
+                <a:latin typeface="Arial" panose="020B0604020202020204" pitchFamily="34" charset="0"/>
+                <a:cs typeface="Arial" panose="020B0604020202020204" pitchFamily="34" charset="0"/>
+              </a:rPr>
+              <a:t>1</a:t>
+            </a:r>
+            <a:endParaRPr lang="es-ES" baseline="-25000" dirty="0">
+              <a:latin typeface="Arial" panose="020B0604020202020204" pitchFamily="34" charset="0"/>
+              <a:cs typeface="Arial" panose="020B0604020202020204" pitchFamily="34" charset="0"/>
+            </a:endParaRPr>
+          </a:p>
+        </p:txBody>
+      </p:sp>
+      <p:sp>
+        <p:nvSpPr>
+          <p:cNvPr id="101" name="TextBox 100">
+            <a:extLst>
+              <a:ext uri="{FF2B5EF4-FFF2-40B4-BE49-F238E27FC236}">
+                <a16:creationId xmlns:a16="http://schemas.microsoft.com/office/drawing/2014/main" id="{8B09FDB4-E288-4136-B57D-12F474713B6B}"/>
+              </a:ext>
+            </a:extLst>
+          </p:cNvPr>
+          <p:cNvSpPr txBox="1"/>
+          <p:nvPr/>
+        </p:nvSpPr>
+        <p:spPr>
+          <a:xfrm>
+            <a:off x="5791200" y="5802831"/>
+            <a:ext cx="1006479" cy="369332"/>
+          </a:xfrm>
+          <a:prstGeom prst="rect">
+            <a:avLst/>
+          </a:prstGeom>
+          <a:noFill/>
+        </p:spPr>
+        <p:txBody>
+          <a:bodyPr wrap="square" rtlCol="0">
+            <a:spAutoFit/>
+          </a:bodyPr>
+          <a:lstStyle/>
+          <a:p>
+            <a:r>
+              <a:rPr lang="es-CL" dirty="0">
+                <a:latin typeface="Arial" panose="020B0604020202020204" pitchFamily="34" charset="0"/>
+                <a:cs typeface="Arial" panose="020B0604020202020204" pitchFamily="34" charset="0"/>
+              </a:rPr>
+              <a:t>CTmax</a:t>
+            </a:r>
+            <a:r>
+              <a:rPr lang="es-CL" baseline="-25000" dirty="0">
+                <a:latin typeface="Arial" panose="020B0604020202020204" pitchFamily="34" charset="0"/>
+                <a:cs typeface="Arial" panose="020B0604020202020204" pitchFamily="34" charset="0"/>
+              </a:rPr>
+              <a:t>2</a:t>
+            </a:r>
+            <a:endParaRPr lang="es-ES" baseline="-25000" dirty="0">
+              <a:latin typeface="Arial" panose="020B0604020202020204" pitchFamily="34" charset="0"/>
+              <a:cs typeface="Arial" panose="020B0604020202020204" pitchFamily="34" charset="0"/>
+            </a:endParaRPr>
+          </a:p>
+        </p:txBody>
+      </p:sp>
+      <p:cxnSp>
+        <p:nvCxnSpPr>
+          <p:cNvPr id="23" name="Straight Connector 22">
+            <a:extLst>
+              <a:ext uri="{FF2B5EF4-FFF2-40B4-BE49-F238E27FC236}">
+                <a16:creationId xmlns:a16="http://schemas.microsoft.com/office/drawing/2014/main" id="{11855728-02EC-4812-99DB-2BCA235DE496}"/>
+              </a:ext>
+            </a:extLst>
+          </p:cNvPr>
+          <p:cNvCxnSpPr>
+            <a:cxnSpLocks/>
+          </p:cNvCxnSpPr>
+          <p:nvPr/>
+        </p:nvCxnSpPr>
+        <p:spPr>
+          <a:xfrm>
+            <a:off x="1578676" y="914400"/>
+            <a:ext cx="0" cy="747831"/>
+          </a:xfrm>
+          <a:prstGeom prst="line">
+            <a:avLst/>
+          </a:prstGeom>
+          <a:ln w="38100" cap="rnd"/>
+        </p:spPr>
+        <p:style>
+          <a:lnRef idx="1">
+            <a:schemeClr val="dk1"/>
+          </a:lnRef>
+          <a:fillRef idx="0">
+            <a:schemeClr val="dk1"/>
+          </a:fillRef>
+          <a:effectRef idx="0">
+            <a:schemeClr val="dk1"/>
+          </a:effectRef>
+          <a:fontRef idx="minor">
+            <a:schemeClr val="tx1"/>
+          </a:fontRef>
+        </p:style>
+      </p:cxnSp>
+      <p:cxnSp>
+        <p:nvCxnSpPr>
+          <p:cNvPr id="31" name="Straight Connector 30">
+            <a:extLst>
+              <a:ext uri="{FF2B5EF4-FFF2-40B4-BE49-F238E27FC236}">
+                <a16:creationId xmlns:a16="http://schemas.microsoft.com/office/drawing/2014/main" id="{F7DD47BA-C573-4A35-8D24-0A0AECBC8153}"/>
+              </a:ext>
+            </a:extLst>
+          </p:cNvPr>
+          <p:cNvCxnSpPr>
+            <a:cxnSpLocks/>
+          </p:cNvCxnSpPr>
+          <p:nvPr/>
+        </p:nvCxnSpPr>
+        <p:spPr>
+          <a:xfrm flipV="1">
+            <a:off x="1581851" y="1648392"/>
+            <a:ext cx="597313" cy="13839"/>
+          </a:xfrm>
+          <a:prstGeom prst="line">
+            <a:avLst/>
+          </a:prstGeom>
+          <a:ln w="38100" cap="rnd"/>
+        </p:spPr>
+        <p:style>
+          <a:lnRef idx="1">
+            <a:schemeClr val="dk1"/>
+          </a:lnRef>
+          <a:fillRef idx="0">
+            <a:schemeClr val="dk1"/>
+          </a:fillRef>
+          <a:effectRef idx="0">
+            <a:schemeClr val="dk1"/>
+          </a:effectRef>
+          <a:fontRef idx="minor">
+            <a:schemeClr val="tx1"/>
+          </a:fontRef>
+        </p:style>
+      </p:cxnSp>
+      <p:cxnSp>
+        <p:nvCxnSpPr>
+          <p:cNvPr id="41" name="Straight Connector 40">
+            <a:extLst>
+              <a:ext uri="{FF2B5EF4-FFF2-40B4-BE49-F238E27FC236}">
+                <a16:creationId xmlns:a16="http://schemas.microsoft.com/office/drawing/2014/main" id="{6D29BC29-0541-4AEB-A9F3-E00B56A7C2CD}"/>
+              </a:ext>
+            </a:extLst>
+          </p:cNvPr>
+          <p:cNvCxnSpPr>
+            <a:cxnSpLocks/>
+          </p:cNvCxnSpPr>
+          <p:nvPr/>
+        </p:nvCxnSpPr>
+        <p:spPr>
+          <a:xfrm>
+            <a:off x="1578676" y="1988449"/>
+            <a:ext cx="0" cy="482603"/>
+          </a:xfrm>
+          <a:prstGeom prst="line">
+            <a:avLst/>
+          </a:prstGeom>
+          <a:ln w="38100" cap="rnd"/>
+        </p:spPr>
+        <p:style>
+          <a:lnRef idx="1">
+            <a:schemeClr val="dk1"/>
+          </a:lnRef>
+          <a:fillRef idx="0">
+            <a:schemeClr val="dk1"/>
+          </a:fillRef>
+          <a:effectRef idx="0">
+            <a:schemeClr val="dk1"/>
+          </a:effectRef>
+          <a:fontRef idx="minor">
+            <a:schemeClr val="tx1"/>
+          </a:fontRef>
+        </p:style>
+      </p:cxnSp>
+      <p:cxnSp>
+        <p:nvCxnSpPr>
+          <p:cNvPr id="43" name="Straight Connector 42">
+            <a:extLst>
+              <a:ext uri="{FF2B5EF4-FFF2-40B4-BE49-F238E27FC236}">
+                <a16:creationId xmlns:a16="http://schemas.microsoft.com/office/drawing/2014/main" id="{7EB3CBDC-12C9-4C9E-A969-4FFC5F5A3858}"/>
+              </a:ext>
+            </a:extLst>
+          </p:cNvPr>
+          <p:cNvCxnSpPr>
+            <a:cxnSpLocks/>
+          </p:cNvCxnSpPr>
+          <p:nvPr/>
+        </p:nvCxnSpPr>
+        <p:spPr>
+          <a:xfrm flipV="1">
+            <a:off x="1581851" y="2475284"/>
+            <a:ext cx="597313" cy="13839"/>
+          </a:xfrm>
+          <a:prstGeom prst="line">
+            <a:avLst/>
+          </a:prstGeom>
+          <a:ln w="38100" cap="rnd"/>
+        </p:spPr>
+        <p:style>
+          <a:lnRef idx="1">
+            <a:schemeClr val="dk1"/>
+          </a:lnRef>
+          <a:fillRef idx="0">
+            <a:schemeClr val="dk1"/>
+          </a:fillRef>
+          <a:effectRef idx="0">
+            <a:schemeClr val="dk1"/>
+          </a:effectRef>
+          <a:fontRef idx="minor">
+            <a:schemeClr val="tx1"/>
+          </a:fontRef>
+        </p:style>
+      </p:cxnSp>
     </p:spTree>
     <p:extLst>
       <p:ext uri="{BB962C8B-B14F-4D97-AF65-F5344CB8AC3E}">

--- a/Outputs/Figure 1 TDT curve with predictions.pptx
+++ b/Outputs/Figure 1 TDT curve with predictions.pptx
@@ -7,7 +7,7 @@
   <p:sldIdLst>
     <p:sldId id="256" r:id="rId2"/>
   </p:sldIdLst>
-  <p:sldSz cx="9144000" cy="6858000" type="screen4x3"/>
+  <p:sldSz cx="6840538" cy="6858000"/>
   <p:notesSz cx="6858000" cy="9144000"/>
   <p:defaultTextStyle>
     <a:defPPr>
@@ -107,12 +107,12 @@
   <p:extLst>
     <p:ext uri="{EFAFB233-063F-42B5-8137-9DF3F51BA10A}">
       <p15:sldGuideLst xmlns:p15="http://schemas.microsoft.com/office/powerpoint/2012/main">
-        <p15:guide id="1" orient="horz" pos="2160">
+        <p15:guide id="1" orient="horz" pos="2160" userDrawn="1">
           <p15:clr>
             <a:srgbClr val="A4A3A4"/>
           </p15:clr>
         </p15:guide>
-        <p15:guide id="2" pos="2880">
+        <p15:guide id="2" pos="2155" userDrawn="1">
           <p15:clr>
             <a:srgbClr val="A4A3A4"/>
           </p15:clr>
@@ -152,8 +152,8 @@
         </p:nvSpPr>
         <p:spPr>
           <a:xfrm>
-            <a:off x="685800" y="2130425"/>
-            <a:ext cx="7772400" cy="1470025"/>
+            <a:off x="513041" y="2130428"/>
+            <a:ext cx="5814457" cy="1470025"/>
           </a:xfrm>
         </p:spPr>
         <p:txBody>
@@ -180,8 +180,8 @@
         </p:nvSpPr>
         <p:spPr>
           <a:xfrm>
-            <a:off x="1371600" y="3886200"/>
-            <a:ext cx="6400800" cy="1752600"/>
+            <a:off x="1026081" y="3886200"/>
+            <a:ext cx="4788377" cy="1752600"/>
           </a:xfrm>
         </p:spPr>
         <p:txBody>
@@ -304,7 +304,7 @@
           <a:p>
             <a:fld id="{EA292604-F11B-4C4D-9FD7-9191CB216B3A}" type="datetimeFigureOut">
               <a:rPr lang="nl-NL" smtClean="0"/>
-              <a:t>1-4-2023</a:t>
+              <a:t>14-12-2023</a:t>
             </a:fld>
             <a:endParaRPr lang="nl-NL"/>
           </a:p>
@@ -474,7 +474,7 @@
           <a:p>
             <a:fld id="{EA292604-F11B-4C4D-9FD7-9191CB216B3A}" type="datetimeFigureOut">
               <a:rPr lang="nl-NL" smtClean="0"/>
-              <a:t>1-4-2023</a:t>
+              <a:t>14-12-2023</a:t>
             </a:fld>
             <a:endParaRPr lang="nl-NL"/>
           </a:p>
@@ -564,8 +564,8 @@
         </p:nvSpPr>
         <p:spPr>
           <a:xfrm>
-            <a:off x="6629400" y="274638"/>
-            <a:ext cx="2057400" cy="5851525"/>
+            <a:off x="4959390" y="274639"/>
+            <a:ext cx="1539122" cy="5851525"/>
           </a:xfrm>
         </p:spPr>
         <p:txBody>
@@ -592,8 +592,8 @@
         </p:nvSpPr>
         <p:spPr>
           <a:xfrm>
-            <a:off x="457200" y="274638"/>
-            <a:ext cx="6019800" cy="5851525"/>
+            <a:off x="342027" y="274639"/>
+            <a:ext cx="4503354" cy="5851525"/>
           </a:xfrm>
         </p:spPr>
         <p:txBody>
@@ -654,7 +654,7 @@
           <a:p>
             <a:fld id="{EA292604-F11B-4C4D-9FD7-9191CB216B3A}" type="datetimeFigureOut">
               <a:rPr lang="nl-NL" smtClean="0"/>
-              <a:t>1-4-2023</a:t>
+              <a:t>14-12-2023</a:t>
             </a:fld>
             <a:endParaRPr lang="nl-NL"/>
           </a:p>
@@ -824,7 +824,7 @@
           <a:p>
             <a:fld id="{EA292604-F11B-4C4D-9FD7-9191CB216B3A}" type="datetimeFigureOut">
               <a:rPr lang="nl-NL" smtClean="0"/>
-              <a:t>1-4-2023</a:t>
+              <a:t>14-12-2023</a:t>
             </a:fld>
             <a:endParaRPr lang="nl-NL"/>
           </a:p>
@@ -914,8 +914,8 @@
         </p:nvSpPr>
         <p:spPr>
           <a:xfrm>
-            <a:off x="722313" y="4406900"/>
-            <a:ext cx="7772400" cy="1362075"/>
+            <a:off x="540355" y="4406903"/>
+            <a:ext cx="5814457" cy="1362075"/>
           </a:xfrm>
         </p:spPr>
         <p:txBody>
@@ -946,8 +946,8 @@
         </p:nvSpPr>
         <p:spPr>
           <a:xfrm>
-            <a:off x="722313" y="2906713"/>
-            <a:ext cx="7772400" cy="1500187"/>
+            <a:off x="540355" y="2906713"/>
+            <a:ext cx="5814457" cy="1500187"/>
           </a:xfrm>
         </p:spPr>
         <p:txBody>
@@ -1070,7 +1070,7 @@
           <a:p>
             <a:fld id="{EA292604-F11B-4C4D-9FD7-9191CB216B3A}" type="datetimeFigureOut">
               <a:rPr lang="nl-NL" smtClean="0"/>
-              <a:t>1-4-2023</a:t>
+              <a:t>14-12-2023</a:t>
             </a:fld>
             <a:endParaRPr lang="nl-NL"/>
           </a:p>
@@ -1183,8 +1183,8 @@
         </p:nvSpPr>
         <p:spPr>
           <a:xfrm>
-            <a:off x="457200" y="1600200"/>
-            <a:ext cx="4038600" cy="4525963"/>
+            <a:off x="342027" y="1600203"/>
+            <a:ext cx="3021237" cy="4525963"/>
           </a:xfrm>
         </p:spPr>
         <p:txBody>
@@ -1268,8 +1268,8 @@
         </p:nvSpPr>
         <p:spPr>
           <a:xfrm>
-            <a:off x="4648200" y="1600200"/>
-            <a:ext cx="4038600" cy="4525963"/>
+            <a:off x="3477274" y="1600203"/>
+            <a:ext cx="3021237" cy="4525963"/>
           </a:xfrm>
         </p:spPr>
         <p:txBody>
@@ -1358,7 +1358,7 @@
           <a:p>
             <a:fld id="{EA292604-F11B-4C4D-9FD7-9191CB216B3A}" type="datetimeFigureOut">
               <a:rPr lang="nl-NL" smtClean="0"/>
-              <a:t>1-4-2023</a:t>
+              <a:t>14-12-2023</a:t>
             </a:fld>
             <a:endParaRPr lang="nl-NL"/>
           </a:p>
@@ -1475,8 +1475,8 @@
         </p:nvSpPr>
         <p:spPr>
           <a:xfrm>
-            <a:off x="457200" y="1535113"/>
-            <a:ext cx="4040188" cy="639762"/>
+            <a:off x="342028" y="1535113"/>
+            <a:ext cx="3022426" cy="639762"/>
           </a:xfrm>
         </p:spPr>
         <p:txBody>
@@ -1540,8 +1540,8 @@
         </p:nvSpPr>
         <p:spPr>
           <a:xfrm>
-            <a:off x="457200" y="2174875"/>
-            <a:ext cx="4040188" cy="3951288"/>
+            <a:off x="342028" y="2174875"/>
+            <a:ext cx="3022426" cy="3951288"/>
           </a:xfrm>
         </p:spPr>
         <p:txBody>
@@ -1625,8 +1625,8 @@
         </p:nvSpPr>
         <p:spPr>
           <a:xfrm>
-            <a:off x="4645025" y="1535113"/>
-            <a:ext cx="4041775" cy="639762"/>
+            <a:off x="3474899" y="1535113"/>
+            <a:ext cx="3023613" cy="639762"/>
           </a:xfrm>
         </p:spPr>
         <p:txBody>
@@ -1690,8 +1690,8 @@
         </p:nvSpPr>
         <p:spPr>
           <a:xfrm>
-            <a:off x="4645025" y="2174875"/>
-            <a:ext cx="4041775" cy="3951288"/>
+            <a:off x="3474899" y="2174875"/>
+            <a:ext cx="3023613" cy="3951288"/>
           </a:xfrm>
         </p:spPr>
         <p:txBody>
@@ -1780,7 +1780,7 @@
           <a:p>
             <a:fld id="{EA292604-F11B-4C4D-9FD7-9191CB216B3A}" type="datetimeFigureOut">
               <a:rPr lang="nl-NL" smtClean="0"/>
-              <a:t>1-4-2023</a:t>
+              <a:t>14-12-2023</a:t>
             </a:fld>
             <a:endParaRPr lang="nl-NL"/>
           </a:p>
@@ -1898,7 +1898,7 @@
           <a:p>
             <a:fld id="{EA292604-F11B-4C4D-9FD7-9191CB216B3A}" type="datetimeFigureOut">
               <a:rPr lang="nl-NL" smtClean="0"/>
-              <a:t>1-4-2023</a:t>
+              <a:t>14-12-2023</a:t>
             </a:fld>
             <a:endParaRPr lang="nl-NL"/>
           </a:p>
@@ -1993,7 +1993,7 @@
           <a:p>
             <a:fld id="{EA292604-F11B-4C4D-9FD7-9191CB216B3A}" type="datetimeFigureOut">
               <a:rPr lang="nl-NL" smtClean="0"/>
-              <a:t>1-4-2023</a:t>
+              <a:t>14-12-2023</a:t>
             </a:fld>
             <a:endParaRPr lang="nl-NL"/>
           </a:p>
@@ -2083,8 +2083,8 @@
         </p:nvSpPr>
         <p:spPr>
           <a:xfrm>
-            <a:off x="457200" y="273050"/>
-            <a:ext cx="3008313" cy="1162050"/>
+            <a:off x="342028" y="273050"/>
+            <a:ext cx="2250490" cy="1162050"/>
           </a:xfrm>
         </p:spPr>
         <p:txBody>
@@ -2115,8 +2115,8 @@
         </p:nvSpPr>
         <p:spPr>
           <a:xfrm>
-            <a:off x="3575050" y="273050"/>
-            <a:ext cx="5111750" cy="5853113"/>
+            <a:off x="2674461" y="273052"/>
+            <a:ext cx="3824051" cy="5853113"/>
           </a:xfrm>
         </p:spPr>
         <p:txBody>
@@ -2200,8 +2200,8 @@
         </p:nvSpPr>
         <p:spPr>
           <a:xfrm>
-            <a:off x="457200" y="1435100"/>
-            <a:ext cx="3008313" cy="4691063"/>
+            <a:off x="342028" y="1435102"/>
+            <a:ext cx="2250490" cy="4691063"/>
           </a:xfrm>
         </p:spPr>
         <p:txBody>
@@ -2270,7 +2270,7 @@
           <a:p>
             <a:fld id="{EA292604-F11B-4C4D-9FD7-9191CB216B3A}" type="datetimeFigureOut">
               <a:rPr lang="nl-NL" smtClean="0"/>
-              <a:t>1-4-2023</a:t>
+              <a:t>14-12-2023</a:t>
             </a:fld>
             <a:endParaRPr lang="nl-NL"/>
           </a:p>
@@ -2360,8 +2360,8 @@
         </p:nvSpPr>
         <p:spPr>
           <a:xfrm>
-            <a:off x="1792288" y="4800600"/>
-            <a:ext cx="5486400" cy="566738"/>
+            <a:off x="1340794" y="4800600"/>
+            <a:ext cx="4104323" cy="566738"/>
           </a:xfrm>
         </p:spPr>
         <p:txBody>
@@ -2392,8 +2392,8 @@
         </p:nvSpPr>
         <p:spPr>
           <a:xfrm>
-            <a:off x="1792288" y="612775"/>
-            <a:ext cx="5486400" cy="4114800"/>
+            <a:off x="1340794" y="612775"/>
+            <a:ext cx="4104323" cy="4114800"/>
           </a:xfrm>
         </p:spPr>
         <p:txBody>
@@ -2453,8 +2453,8 @@
         </p:nvSpPr>
         <p:spPr>
           <a:xfrm>
-            <a:off x="1792288" y="5367338"/>
-            <a:ext cx="5486400" cy="804862"/>
+            <a:off x="1340794" y="5367338"/>
+            <a:ext cx="4104323" cy="804862"/>
           </a:xfrm>
         </p:spPr>
         <p:txBody>
@@ -2523,7 +2523,7 @@
           <a:p>
             <a:fld id="{EA292604-F11B-4C4D-9FD7-9191CB216B3A}" type="datetimeFigureOut">
               <a:rPr lang="nl-NL" smtClean="0"/>
-              <a:t>1-4-2023</a:t>
+              <a:t>14-12-2023</a:t>
             </a:fld>
             <a:endParaRPr lang="nl-NL"/>
           </a:p>
@@ -2618,8 +2618,8 @@
         </p:nvSpPr>
         <p:spPr>
           <a:xfrm>
-            <a:off x="457200" y="274638"/>
-            <a:ext cx="8229600" cy="1143000"/>
+            <a:off x="342027" y="274638"/>
+            <a:ext cx="6156484" cy="1143000"/>
           </a:xfrm>
           <a:prstGeom prst="rect">
             <a:avLst/>
@@ -2651,8 +2651,8 @@
         </p:nvSpPr>
         <p:spPr>
           <a:xfrm>
-            <a:off x="457200" y="1600200"/>
-            <a:ext cx="8229600" cy="4525963"/>
+            <a:off x="342027" y="1600203"/>
+            <a:ext cx="6156484" cy="4525963"/>
           </a:xfrm>
           <a:prstGeom prst="rect">
             <a:avLst/>
@@ -2713,8 +2713,8 @@
         </p:nvSpPr>
         <p:spPr>
           <a:xfrm>
-            <a:off x="457200" y="6356350"/>
-            <a:ext cx="2133600" cy="365125"/>
+            <a:off x="342026" y="6356353"/>
+            <a:ext cx="1596126" cy="365125"/>
           </a:xfrm>
           <a:prstGeom prst="rect">
             <a:avLst/>
@@ -2736,7 +2736,7 @@
           <a:p>
             <a:fld id="{EA292604-F11B-4C4D-9FD7-9191CB216B3A}" type="datetimeFigureOut">
               <a:rPr lang="nl-NL" smtClean="0"/>
-              <a:t>1-4-2023</a:t>
+              <a:t>14-12-2023</a:t>
             </a:fld>
             <a:endParaRPr lang="nl-NL"/>
           </a:p>
@@ -2754,8 +2754,8 @@
         </p:nvSpPr>
         <p:spPr>
           <a:xfrm>
-            <a:off x="3124200" y="6356350"/>
-            <a:ext cx="2895600" cy="365125"/>
+            <a:off x="2337184" y="6356353"/>
+            <a:ext cx="2166170" cy="365125"/>
           </a:xfrm>
           <a:prstGeom prst="rect">
             <a:avLst/>
@@ -2791,8 +2791,8 @@
         </p:nvSpPr>
         <p:spPr>
           <a:xfrm>
-            <a:off x="6553200" y="6356350"/>
-            <a:ext cx="2133600" cy="365125"/>
+            <a:off x="4902386" y="6356353"/>
+            <a:ext cx="1596126" cy="365125"/>
           </a:xfrm>
           <a:prstGeom prst="rect">
             <a:avLst/>
@@ -3125,7 +3125,7 @@
         </p:nvSpPr>
         <p:spPr>
           <a:xfrm>
-            <a:off x="1094084" y="215401"/>
+            <a:off x="780549" y="215404"/>
             <a:ext cx="5862850" cy="5880599"/>
           </a:xfrm>
           <a:custGeom>
@@ -3310,7 +3310,7 @@
         </p:nvSpPr>
         <p:spPr>
           <a:xfrm>
-            <a:off x="1076569" y="227310"/>
+            <a:off x="763037" y="227310"/>
             <a:ext cx="5917487" cy="5934074"/>
           </a:xfrm>
           <a:custGeom>
@@ -3473,7 +3473,7 @@
         </p:nvCxnSpPr>
         <p:spPr>
           <a:xfrm>
-            <a:off x="981319" y="227310"/>
+            <a:off x="667787" y="227310"/>
             <a:ext cx="18561" cy="5943600"/>
           </a:xfrm>
           <a:prstGeom prst="line">
@@ -3504,7 +3504,7 @@
         </p:nvCxnSpPr>
         <p:spPr>
           <a:xfrm flipH="1">
-            <a:off x="990600" y="6174085"/>
+            <a:off x="677065" y="6174085"/>
             <a:ext cx="6003456" cy="0"/>
           </a:xfrm>
           <a:prstGeom prst="line">
@@ -3535,7 +3535,7 @@
         </p:nvSpPr>
         <p:spPr>
           <a:xfrm rot="16200000">
-            <a:off x="-851006" y="2969568"/>
+            <a:off x="-1164541" y="2969571"/>
             <a:ext cx="3078087" cy="461665"/>
           </a:xfrm>
           <a:prstGeom prst="rect">
@@ -3584,7 +3584,7 @@
         </p:nvSpPr>
         <p:spPr>
           <a:xfrm>
-            <a:off x="2731502" y="6167735"/>
+            <a:off x="2417967" y="6167738"/>
             <a:ext cx="2550250" cy="461665"/>
           </a:xfrm>
           <a:prstGeom prst="rect">
@@ -3625,7 +3625,7 @@
         </p:nvCxnSpPr>
         <p:spPr>
           <a:xfrm>
-            <a:off x="1076569" y="227310"/>
+            <a:off x="763037" y="227310"/>
             <a:ext cx="4638431" cy="5934074"/>
           </a:xfrm>
           <a:prstGeom prst="line">
@@ -3665,7 +3665,7 @@
         </p:nvCxnSpPr>
         <p:spPr>
           <a:xfrm>
-            <a:off x="1094084" y="1600200"/>
+            <a:off x="780549" y="1600200"/>
             <a:ext cx="5899972" cy="4561184"/>
           </a:xfrm>
           <a:prstGeom prst="line">
@@ -3704,7 +3704,7 @@
         </p:nvSpPr>
         <p:spPr>
           <a:xfrm>
-            <a:off x="4240021" y="1571850"/>
+            <a:off x="3926486" y="1571850"/>
             <a:ext cx="1590064" cy="523220"/>
           </a:xfrm>
           <a:prstGeom prst="rect">
@@ -3746,7 +3746,7 @@
         </p:nvSpPr>
         <p:spPr>
           <a:xfrm>
-            <a:off x="1421429" y="4164903"/>
+            <a:off x="1107894" y="4164903"/>
             <a:ext cx="2144092" cy="523220"/>
           </a:xfrm>
           <a:prstGeom prst="rect">
@@ -3788,7 +3788,7 @@
         </p:nvSpPr>
         <p:spPr>
           <a:xfrm>
-            <a:off x="1820984" y="918983"/>
+            <a:off x="1507449" y="918983"/>
             <a:ext cx="1600200" cy="369332"/>
           </a:xfrm>
           <a:prstGeom prst="rect">
@@ -3803,7 +3803,7 @@
           <a:lstStyle/>
           <a:p>
             <a:r>
-              <a:rPr lang="es-CL" i="1" dirty="0">
+              <a:rPr lang="es-CL" sz="1400" i="1" dirty="0">
                 <a:latin typeface="Arial" panose="020B0604020202020204" pitchFamily="34" charset="0"/>
                 <a:cs typeface="Arial" panose="020B0604020202020204" pitchFamily="34" charset="0"/>
               </a:rPr>
@@ -3858,7 +3858,7 @@
         </p:nvSpPr>
         <p:spPr>
           <a:xfrm>
-            <a:off x="1098166" y="2544235"/>
+            <a:off x="784631" y="2544235"/>
             <a:ext cx="1200146" cy="369332"/>
           </a:xfrm>
           <a:prstGeom prst="rect">
@@ -3873,7 +3873,7 @@
           <a:lstStyle/>
           <a:p>
             <a:r>
-              <a:rPr lang="es-CL" i="1" dirty="0">
+              <a:rPr lang="es-CL" sz="1400" i="1" dirty="0">
                 <a:latin typeface="Arial" panose="020B0604020202020204" pitchFamily="34" charset="0"/>
                 <a:cs typeface="Arial" panose="020B0604020202020204" pitchFamily="34" charset="0"/>
               </a:rPr>
@@ -3928,7 +3928,7 @@
         </p:nvSpPr>
         <p:spPr>
           <a:xfrm>
-            <a:off x="4506721" y="5802831"/>
+            <a:off x="4193189" y="5802831"/>
             <a:ext cx="1006479" cy="369332"/>
           </a:xfrm>
           <a:prstGeom prst="rect">
@@ -3977,7 +3977,7 @@
         </p:nvSpPr>
         <p:spPr>
           <a:xfrm>
-            <a:off x="5791200" y="5802831"/>
+            <a:off x="5477668" y="5802831"/>
             <a:ext cx="1006479" cy="369332"/>
           </a:xfrm>
           <a:prstGeom prst="rect">
@@ -4028,7 +4028,7 @@
         </p:nvCxnSpPr>
         <p:spPr>
           <a:xfrm>
-            <a:off x="1578676" y="914400"/>
+            <a:off x="1265141" y="914403"/>
             <a:ext cx="0" cy="747831"/>
           </a:xfrm>
           <a:prstGeom prst="line">
@@ -4067,7 +4067,7 @@
         </p:nvCxnSpPr>
         <p:spPr>
           <a:xfrm flipV="1">
-            <a:off x="1581851" y="1648392"/>
+            <a:off x="1268319" y="1648395"/>
             <a:ext cx="597313" cy="13839"/>
           </a:xfrm>
           <a:prstGeom prst="line">
@@ -4106,7 +4106,7 @@
         </p:nvCxnSpPr>
         <p:spPr>
           <a:xfrm>
-            <a:off x="1578676" y="1988449"/>
+            <a:off x="1265141" y="1988452"/>
             <a:ext cx="0" cy="482603"/>
           </a:xfrm>
           <a:prstGeom prst="line">
@@ -4145,7 +4145,7 @@
         </p:nvCxnSpPr>
         <p:spPr>
           <a:xfrm flipV="1">
-            <a:off x="1581851" y="2475284"/>
+            <a:off x="1268319" y="2475287"/>
             <a:ext cx="597313" cy="13839"/>
           </a:xfrm>
           <a:prstGeom prst="line">
